--- a/06 - Flanger/flanging2.pptx
+++ b/06 - Flanger/flanging2.pptx
@@ -11,10 +11,10 @@
     <p:sldMasterId id="2147483654" r:id="rId7"/>
   </p:sldMasterIdLst>
   <p:notesMasterIdLst>
-    <p:notesMasterId r:id="rId38"/>
+    <p:notesMasterId r:id="rId37"/>
   </p:notesMasterIdLst>
   <p:handoutMasterIdLst>
-    <p:handoutMasterId r:id="rId39"/>
+    <p:handoutMasterId r:id="rId38"/>
   </p:handoutMasterIdLst>
   <p:sldIdLst>
     <p:sldId id="338" r:id="rId8"/>
@@ -38,15 +38,14 @@
     <p:sldId id="318" r:id="rId26"/>
     <p:sldId id="319" r:id="rId27"/>
     <p:sldId id="320" r:id="rId28"/>
-    <p:sldId id="321" r:id="rId29"/>
-    <p:sldId id="343" r:id="rId30"/>
-    <p:sldId id="335" r:id="rId31"/>
-    <p:sldId id="344" r:id="rId32"/>
-    <p:sldId id="324" r:id="rId33"/>
-    <p:sldId id="325" r:id="rId34"/>
-    <p:sldId id="329" r:id="rId35"/>
-    <p:sldId id="326" r:id="rId36"/>
-    <p:sldId id="345" r:id="rId37"/>
+    <p:sldId id="343" r:id="rId29"/>
+    <p:sldId id="335" r:id="rId30"/>
+    <p:sldId id="344" r:id="rId31"/>
+    <p:sldId id="324" r:id="rId32"/>
+    <p:sldId id="325" r:id="rId33"/>
+    <p:sldId id="329" r:id="rId34"/>
+    <p:sldId id="326" r:id="rId35"/>
+    <p:sldId id="345" r:id="rId36"/>
   </p:sldIdLst>
   <p:sldSz cx="13004800" cy="9753600"/>
   <p:notesSz cx="7099300" cy="10234613"/>
@@ -1513,112 +1512,6 @@
       </p:grpSpPr>
       <p:sp>
         <p:nvSpPr>
-          <p:cNvPr id="51201" name="Rectangle 1"/>
-          <p:cNvSpPr>
-            <a:spLocks noGrp="1" noRot="1" noChangeAspect="1" noChangeArrowheads="1"/>
-          </p:cNvSpPr>
-          <p:nvPr>
-            <p:ph type="sldImg"/>
-          </p:nvPr>
-        </p:nvSpPr>
-        <p:spPr bwMode="auto">
-          <a:xfrm>
-            <a:off x="992188" y="768350"/>
-            <a:ext cx="5114925" cy="3836988"/>
-          </a:xfrm>
-          <a:prstGeom prst="rect">
-            <a:avLst/>
-          </a:prstGeom>
-          <a:solidFill>
-            <a:srgbClr val="FFFFFF"/>
-          </a:solidFill>
-          <a:ln>
-            <a:solidFill>
-              <a:srgbClr val="000000"/>
-            </a:solidFill>
-            <a:miter lim="800000"/>
-            <a:headEnd/>
-            <a:tailEnd/>
-          </a:ln>
-        </p:spPr>
-      </p:sp>
-      <p:sp>
-        <p:nvSpPr>
-          <p:cNvPr id="51202" name="Rectangle 2"/>
-          <p:cNvSpPr>
-            <a:spLocks noGrp="1" noChangeArrowheads="1"/>
-          </p:cNvSpPr>
-          <p:nvPr>
-            <p:ph type="body" idx="1"/>
-          </p:nvPr>
-        </p:nvSpPr>
-        <p:spPr bwMode="auto">
-          <a:xfrm>
-            <a:off x="709930" y="4861441"/>
-            <a:ext cx="5679440" cy="4605576"/>
-          </a:xfrm>
-          <a:prstGeom prst="rect">
-            <a:avLst/>
-          </a:prstGeom>
-          <a:noFill/>
-          <a:ln>
-            <a:miter lim="800000"/>
-            <a:headEnd/>
-            <a:tailEnd/>
-          </a:ln>
-        </p:spPr>
-        <p:txBody>
-          <a:bodyPr/>
-          <a:lstStyle/>
-          <a:p>
-            <a:pPr marL="61905">
-              <a:spcBef>
-                <a:spcPts val="637"/>
-              </a:spcBef>
-            </a:pPr>
-            <a:endParaRPr lang="en-US" sz="1700" dirty="0">
-              <a:solidFill>
-                <a:srgbClr val="000000"/>
-              </a:solidFill>
-              <a:latin typeface="Arial" charset="0"/>
-              <a:cs typeface="Arial" charset="0"/>
-              <a:sym typeface="Arial" charset="0"/>
-            </a:endParaRPr>
-          </a:p>
-        </p:txBody>
-      </p:sp>
-    </p:spTree>
-    <p:extLst>
-      <p:ext uri="{BB962C8B-B14F-4D97-AF65-F5344CB8AC3E}">
-        <p14:creationId xmlns:p14="http://schemas.microsoft.com/office/powerpoint/2010/main" val="3555207221"/>
-      </p:ext>
-    </p:extLst>
-  </p:cSld>
-  <p:clrMapOvr>
-    <a:masterClrMapping/>
-  </p:clrMapOvr>
-</p:notes>
-</file>
-
-<file path=ppt/notesSlides/notesSlide18.xml><?xml version="1.0" encoding="utf-8"?>
-<p:notes xmlns:a="http://schemas.openxmlformats.org/drawingml/2006/main" xmlns:r="http://schemas.openxmlformats.org/officeDocument/2006/relationships" xmlns:p="http://schemas.openxmlformats.org/presentationml/2006/main">
-  <p:cSld>
-    <p:spTree>
-      <p:nvGrpSpPr>
-        <p:cNvPr id="1" name=""/>
-        <p:cNvGrpSpPr/>
-        <p:nvPr/>
-      </p:nvGrpSpPr>
-      <p:grpSpPr>
-        <a:xfrm>
-          <a:off x="0" y="0"/>
-          <a:ext cx="0" cy="0"/>
-          <a:chOff x="0" y="0"/>
-          <a:chExt cx="0" cy="0"/>
-        </a:xfrm>
-      </p:grpSpPr>
-      <p:sp>
-        <p:nvSpPr>
           <p:cNvPr id="53249" name="Rectangle 1"/>
           <p:cNvSpPr>
             <a:spLocks noGrp="1" noRot="1" noChangeAspect="1" noChangeArrowheads="1"/>
@@ -1706,7 +1599,7 @@
 </p:notes>
 </file>
 
-<file path=ppt/notesSlides/notesSlide19.xml><?xml version="1.0" encoding="utf-8"?>
+<file path=ppt/notesSlides/notesSlide18.xml><?xml version="1.0" encoding="utf-8"?>
 <p:notes xmlns:a="http://schemas.openxmlformats.org/drawingml/2006/main" xmlns:r="http://schemas.openxmlformats.org/officeDocument/2006/relationships" xmlns:p="http://schemas.openxmlformats.org/presentationml/2006/main">
   <p:cSld>
     <p:spTree>
@@ -1803,6 +1696,112 @@
     <p:extLst>
       <p:ext uri="{BB962C8B-B14F-4D97-AF65-F5344CB8AC3E}">
         <p14:creationId xmlns:p14="http://schemas.microsoft.com/office/powerpoint/2010/main" val="778078552"/>
+      </p:ext>
+    </p:extLst>
+  </p:cSld>
+  <p:clrMapOvr>
+    <a:masterClrMapping/>
+  </p:clrMapOvr>
+</p:notes>
+</file>
+
+<file path=ppt/notesSlides/notesSlide19.xml><?xml version="1.0" encoding="utf-8"?>
+<p:notes xmlns:a="http://schemas.openxmlformats.org/drawingml/2006/main" xmlns:r="http://schemas.openxmlformats.org/officeDocument/2006/relationships" xmlns:p="http://schemas.openxmlformats.org/presentationml/2006/main">
+  <p:cSld>
+    <p:spTree>
+      <p:nvGrpSpPr>
+        <p:cNvPr id="1" name=""/>
+        <p:cNvGrpSpPr/>
+        <p:nvPr/>
+      </p:nvGrpSpPr>
+      <p:grpSpPr>
+        <a:xfrm>
+          <a:off x="0" y="0"/>
+          <a:ext cx="0" cy="0"/>
+          <a:chOff x="0" y="0"/>
+          <a:chExt cx="0" cy="0"/>
+        </a:xfrm>
+      </p:grpSpPr>
+      <p:sp>
+        <p:nvSpPr>
+          <p:cNvPr id="57345" name="Rectangle 1"/>
+          <p:cNvSpPr>
+            <a:spLocks noGrp="1" noRot="1" noChangeAspect="1" noChangeArrowheads="1"/>
+          </p:cNvSpPr>
+          <p:nvPr>
+            <p:ph type="sldImg"/>
+          </p:nvPr>
+        </p:nvSpPr>
+        <p:spPr bwMode="auto">
+          <a:xfrm>
+            <a:off x="992188" y="768350"/>
+            <a:ext cx="5114925" cy="3836988"/>
+          </a:xfrm>
+          <a:prstGeom prst="rect">
+            <a:avLst/>
+          </a:prstGeom>
+          <a:solidFill>
+            <a:srgbClr val="FFFFFF"/>
+          </a:solidFill>
+          <a:ln>
+            <a:solidFill>
+              <a:srgbClr val="000000"/>
+            </a:solidFill>
+            <a:miter lim="800000"/>
+            <a:headEnd/>
+            <a:tailEnd/>
+          </a:ln>
+        </p:spPr>
+      </p:sp>
+      <p:sp>
+        <p:nvSpPr>
+          <p:cNvPr id="57346" name="Rectangle 2"/>
+          <p:cNvSpPr>
+            <a:spLocks noGrp="1" noChangeArrowheads="1"/>
+          </p:cNvSpPr>
+          <p:nvPr>
+            <p:ph type="body" idx="1"/>
+          </p:nvPr>
+        </p:nvSpPr>
+        <p:spPr bwMode="auto">
+          <a:xfrm>
+            <a:off x="709930" y="4861441"/>
+            <a:ext cx="5679440" cy="4605576"/>
+          </a:xfrm>
+          <a:prstGeom prst="rect">
+            <a:avLst/>
+          </a:prstGeom>
+          <a:noFill/>
+          <a:ln>
+            <a:miter lim="800000"/>
+            <a:headEnd/>
+            <a:tailEnd/>
+          </a:ln>
+        </p:spPr>
+        <p:txBody>
+          <a:bodyPr/>
+          <a:lstStyle/>
+          <a:p>
+            <a:pPr marL="61905">
+              <a:spcBef>
+                <a:spcPts val="637"/>
+              </a:spcBef>
+            </a:pPr>
+            <a:endParaRPr lang="en-US" sz="1700" dirty="0">
+              <a:solidFill>
+                <a:srgbClr val="000000"/>
+              </a:solidFill>
+              <a:latin typeface="Arial" charset="0"/>
+              <a:cs typeface="Arial" charset="0"/>
+              <a:sym typeface="Arial" charset="0"/>
+            </a:endParaRPr>
+          </a:p>
+        </p:txBody>
+      </p:sp>
+    </p:spTree>
+    <p:extLst>
+      <p:ext uri="{BB962C8B-B14F-4D97-AF65-F5344CB8AC3E}">
+        <p14:creationId xmlns:p14="http://schemas.microsoft.com/office/powerpoint/2010/main" val="2145512318"/>
       </p:ext>
     </p:extLst>
   </p:cSld>
@@ -1937,112 +1936,6 @@
       </p:grpSpPr>
       <p:sp>
         <p:nvSpPr>
-          <p:cNvPr id="57345" name="Rectangle 1"/>
-          <p:cNvSpPr>
-            <a:spLocks noGrp="1" noRot="1" noChangeAspect="1" noChangeArrowheads="1"/>
-          </p:cNvSpPr>
-          <p:nvPr>
-            <p:ph type="sldImg"/>
-          </p:nvPr>
-        </p:nvSpPr>
-        <p:spPr bwMode="auto">
-          <a:xfrm>
-            <a:off x="992188" y="768350"/>
-            <a:ext cx="5114925" cy="3836988"/>
-          </a:xfrm>
-          <a:prstGeom prst="rect">
-            <a:avLst/>
-          </a:prstGeom>
-          <a:solidFill>
-            <a:srgbClr val="FFFFFF"/>
-          </a:solidFill>
-          <a:ln>
-            <a:solidFill>
-              <a:srgbClr val="000000"/>
-            </a:solidFill>
-            <a:miter lim="800000"/>
-            <a:headEnd/>
-            <a:tailEnd/>
-          </a:ln>
-        </p:spPr>
-      </p:sp>
-      <p:sp>
-        <p:nvSpPr>
-          <p:cNvPr id="57346" name="Rectangle 2"/>
-          <p:cNvSpPr>
-            <a:spLocks noGrp="1" noChangeArrowheads="1"/>
-          </p:cNvSpPr>
-          <p:nvPr>
-            <p:ph type="body" idx="1"/>
-          </p:nvPr>
-        </p:nvSpPr>
-        <p:spPr bwMode="auto">
-          <a:xfrm>
-            <a:off x="709930" y="4861441"/>
-            <a:ext cx="5679440" cy="4605576"/>
-          </a:xfrm>
-          <a:prstGeom prst="rect">
-            <a:avLst/>
-          </a:prstGeom>
-          <a:noFill/>
-          <a:ln>
-            <a:miter lim="800000"/>
-            <a:headEnd/>
-            <a:tailEnd/>
-          </a:ln>
-        </p:spPr>
-        <p:txBody>
-          <a:bodyPr/>
-          <a:lstStyle/>
-          <a:p>
-            <a:pPr marL="61905">
-              <a:spcBef>
-                <a:spcPts val="637"/>
-              </a:spcBef>
-            </a:pPr>
-            <a:endParaRPr lang="en-US" sz="1700" dirty="0">
-              <a:solidFill>
-                <a:srgbClr val="000000"/>
-              </a:solidFill>
-              <a:latin typeface="Arial" charset="0"/>
-              <a:cs typeface="Arial" charset="0"/>
-              <a:sym typeface="Arial" charset="0"/>
-            </a:endParaRPr>
-          </a:p>
-        </p:txBody>
-      </p:sp>
-    </p:spTree>
-    <p:extLst>
-      <p:ext uri="{BB962C8B-B14F-4D97-AF65-F5344CB8AC3E}">
-        <p14:creationId xmlns:p14="http://schemas.microsoft.com/office/powerpoint/2010/main" val="2145512318"/>
-      </p:ext>
-    </p:extLst>
-  </p:cSld>
-  <p:clrMapOvr>
-    <a:masterClrMapping/>
-  </p:clrMapOvr>
-</p:notes>
-</file>
-
-<file path=ppt/notesSlides/notesSlide21.xml><?xml version="1.0" encoding="utf-8"?>
-<p:notes xmlns:a="http://schemas.openxmlformats.org/drawingml/2006/main" xmlns:r="http://schemas.openxmlformats.org/officeDocument/2006/relationships" xmlns:p="http://schemas.openxmlformats.org/presentationml/2006/main">
-  <p:cSld>
-    <p:spTree>
-      <p:nvGrpSpPr>
-        <p:cNvPr id="1" name=""/>
-        <p:cNvGrpSpPr/>
-        <p:nvPr/>
-      </p:nvGrpSpPr>
-      <p:grpSpPr>
-        <a:xfrm>
-          <a:off x="0" y="0"/>
-          <a:ext cx="0" cy="0"/>
-          <a:chOff x="0" y="0"/>
-          <a:chExt cx="0" cy="0"/>
-        </a:xfrm>
-      </p:grpSpPr>
-      <p:sp>
-        <p:nvSpPr>
           <p:cNvPr id="59393" name="Rectangle 1"/>
           <p:cNvSpPr>
             <a:spLocks noGrp="1" noRot="1" noChangeAspect="1" noChangeArrowheads="1"/>
@@ -2121,6 +2014,112 @@
     <p:extLst>
       <p:ext uri="{BB962C8B-B14F-4D97-AF65-F5344CB8AC3E}">
         <p14:creationId xmlns:p14="http://schemas.microsoft.com/office/powerpoint/2010/main" val="2159198551"/>
+      </p:ext>
+    </p:extLst>
+  </p:cSld>
+  <p:clrMapOvr>
+    <a:masterClrMapping/>
+  </p:clrMapOvr>
+</p:notes>
+</file>
+
+<file path=ppt/notesSlides/notesSlide21.xml><?xml version="1.0" encoding="utf-8"?>
+<p:notes xmlns:a="http://schemas.openxmlformats.org/drawingml/2006/main" xmlns:r="http://schemas.openxmlformats.org/officeDocument/2006/relationships" xmlns:p="http://schemas.openxmlformats.org/presentationml/2006/main">
+  <p:cSld>
+    <p:spTree>
+      <p:nvGrpSpPr>
+        <p:cNvPr id="1" name=""/>
+        <p:cNvGrpSpPr/>
+        <p:nvPr/>
+      </p:nvGrpSpPr>
+      <p:grpSpPr>
+        <a:xfrm>
+          <a:off x="0" y="0"/>
+          <a:ext cx="0" cy="0"/>
+          <a:chOff x="0" y="0"/>
+          <a:chExt cx="0" cy="0"/>
+        </a:xfrm>
+      </p:grpSpPr>
+      <p:sp>
+        <p:nvSpPr>
+          <p:cNvPr id="61441" name="Rectangle 1"/>
+          <p:cNvSpPr>
+            <a:spLocks noGrp="1" noRot="1" noChangeAspect="1" noChangeArrowheads="1"/>
+          </p:cNvSpPr>
+          <p:nvPr>
+            <p:ph type="sldImg"/>
+          </p:nvPr>
+        </p:nvSpPr>
+        <p:spPr bwMode="auto">
+          <a:xfrm>
+            <a:off x="992188" y="768350"/>
+            <a:ext cx="5114925" cy="3836988"/>
+          </a:xfrm>
+          <a:prstGeom prst="rect">
+            <a:avLst/>
+          </a:prstGeom>
+          <a:solidFill>
+            <a:srgbClr val="FFFFFF"/>
+          </a:solidFill>
+          <a:ln>
+            <a:solidFill>
+              <a:srgbClr val="000000"/>
+            </a:solidFill>
+            <a:miter lim="800000"/>
+            <a:headEnd/>
+            <a:tailEnd/>
+          </a:ln>
+        </p:spPr>
+      </p:sp>
+      <p:sp>
+        <p:nvSpPr>
+          <p:cNvPr id="61442" name="Rectangle 2"/>
+          <p:cNvSpPr>
+            <a:spLocks noGrp="1" noChangeArrowheads="1"/>
+          </p:cNvSpPr>
+          <p:nvPr>
+            <p:ph type="body" idx="1"/>
+          </p:nvPr>
+        </p:nvSpPr>
+        <p:spPr bwMode="auto">
+          <a:xfrm>
+            <a:off x="709930" y="4861441"/>
+            <a:ext cx="5679440" cy="4605576"/>
+          </a:xfrm>
+          <a:prstGeom prst="rect">
+            <a:avLst/>
+          </a:prstGeom>
+          <a:noFill/>
+          <a:ln>
+            <a:miter lim="800000"/>
+            <a:headEnd/>
+            <a:tailEnd/>
+          </a:ln>
+        </p:spPr>
+        <p:txBody>
+          <a:bodyPr/>
+          <a:lstStyle/>
+          <a:p>
+            <a:pPr marL="61905">
+              <a:spcBef>
+                <a:spcPts val="637"/>
+              </a:spcBef>
+            </a:pPr>
+            <a:endParaRPr lang="en-US" sz="1700" dirty="0">
+              <a:solidFill>
+                <a:srgbClr val="000000"/>
+              </a:solidFill>
+              <a:latin typeface="Arial" charset="0"/>
+              <a:cs typeface="Arial" charset="0"/>
+              <a:sym typeface="Arial" charset="0"/>
+            </a:endParaRPr>
+          </a:p>
+        </p:txBody>
+      </p:sp>
+    </p:spTree>
+    <p:extLst>
+      <p:ext uri="{BB962C8B-B14F-4D97-AF65-F5344CB8AC3E}">
+        <p14:creationId xmlns:p14="http://schemas.microsoft.com/office/powerpoint/2010/main" val="4048221524"/>
       </p:ext>
     </p:extLst>
   </p:cSld>
@@ -2226,7 +2225,7 @@
     </p:spTree>
     <p:extLst>
       <p:ext uri="{BB962C8B-B14F-4D97-AF65-F5344CB8AC3E}">
-        <p14:creationId xmlns:p14="http://schemas.microsoft.com/office/powerpoint/2010/main" val="4048221524"/>
+        <p14:creationId xmlns:p14="http://schemas.microsoft.com/office/powerpoint/2010/main" val="2957292659"/>
       </p:ext>
     </p:extLst>
   </p:cSld>
@@ -2237,112 +2236,6 @@
 </file>
 
 <file path=ppt/notesSlides/notesSlide23.xml><?xml version="1.0" encoding="utf-8"?>
-<p:notes xmlns:a="http://schemas.openxmlformats.org/drawingml/2006/main" xmlns:r="http://schemas.openxmlformats.org/officeDocument/2006/relationships" xmlns:p="http://schemas.openxmlformats.org/presentationml/2006/main">
-  <p:cSld>
-    <p:spTree>
-      <p:nvGrpSpPr>
-        <p:cNvPr id="1" name=""/>
-        <p:cNvGrpSpPr/>
-        <p:nvPr/>
-      </p:nvGrpSpPr>
-      <p:grpSpPr>
-        <a:xfrm>
-          <a:off x="0" y="0"/>
-          <a:ext cx="0" cy="0"/>
-          <a:chOff x="0" y="0"/>
-          <a:chExt cx="0" cy="0"/>
-        </a:xfrm>
-      </p:grpSpPr>
-      <p:sp>
-        <p:nvSpPr>
-          <p:cNvPr id="61441" name="Rectangle 1"/>
-          <p:cNvSpPr>
-            <a:spLocks noGrp="1" noRot="1" noChangeAspect="1" noChangeArrowheads="1"/>
-          </p:cNvSpPr>
-          <p:nvPr>
-            <p:ph type="sldImg"/>
-          </p:nvPr>
-        </p:nvSpPr>
-        <p:spPr bwMode="auto">
-          <a:xfrm>
-            <a:off x="992188" y="768350"/>
-            <a:ext cx="5114925" cy="3836988"/>
-          </a:xfrm>
-          <a:prstGeom prst="rect">
-            <a:avLst/>
-          </a:prstGeom>
-          <a:solidFill>
-            <a:srgbClr val="FFFFFF"/>
-          </a:solidFill>
-          <a:ln>
-            <a:solidFill>
-              <a:srgbClr val="000000"/>
-            </a:solidFill>
-            <a:miter lim="800000"/>
-            <a:headEnd/>
-            <a:tailEnd/>
-          </a:ln>
-        </p:spPr>
-      </p:sp>
-      <p:sp>
-        <p:nvSpPr>
-          <p:cNvPr id="61442" name="Rectangle 2"/>
-          <p:cNvSpPr>
-            <a:spLocks noGrp="1" noChangeArrowheads="1"/>
-          </p:cNvSpPr>
-          <p:nvPr>
-            <p:ph type="body" idx="1"/>
-          </p:nvPr>
-        </p:nvSpPr>
-        <p:spPr bwMode="auto">
-          <a:xfrm>
-            <a:off x="709930" y="4861441"/>
-            <a:ext cx="5679440" cy="4605576"/>
-          </a:xfrm>
-          <a:prstGeom prst="rect">
-            <a:avLst/>
-          </a:prstGeom>
-          <a:noFill/>
-          <a:ln>
-            <a:miter lim="800000"/>
-            <a:headEnd/>
-            <a:tailEnd/>
-          </a:ln>
-        </p:spPr>
-        <p:txBody>
-          <a:bodyPr/>
-          <a:lstStyle/>
-          <a:p>
-            <a:pPr marL="61905">
-              <a:spcBef>
-                <a:spcPts val="637"/>
-              </a:spcBef>
-            </a:pPr>
-            <a:endParaRPr lang="en-US" sz="1700" dirty="0">
-              <a:solidFill>
-                <a:srgbClr val="000000"/>
-              </a:solidFill>
-              <a:latin typeface="Arial" charset="0"/>
-              <a:cs typeface="Arial" charset="0"/>
-              <a:sym typeface="Arial" charset="0"/>
-            </a:endParaRPr>
-          </a:p>
-        </p:txBody>
-      </p:sp>
-    </p:spTree>
-    <p:extLst>
-      <p:ext uri="{BB962C8B-B14F-4D97-AF65-F5344CB8AC3E}">
-        <p14:creationId xmlns:p14="http://schemas.microsoft.com/office/powerpoint/2010/main" val="2957292659"/>
-      </p:ext>
-    </p:extLst>
-  </p:cSld>
-  <p:clrMapOvr>
-    <a:masterClrMapping/>
-  </p:clrMapOvr>
-</p:notes>
-</file>
-
-<file path=ppt/notesSlides/notesSlide24.xml><?xml version="1.0" encoding="utf-8"?>
 <p:notes xmlns:a="http://schemas.openxmlformats.org/drawingml/2006/main" xmlns:r="http://schemas.openxmlformats.org/officeDocument/2006/relationships" xmlns:p="http://schemas.openxmlformats.org/presentationml/2006/main">
   <p:cSld>
     <p:spTree>
@@ -19465,13 +19358,15 @@
       <p:cxnSp>
         <p:nvCxnSpPr>
           <p:cNvPr id="43" name="Straight Arrow Connector 42"/>
-          <p:cNvCxnSpPr/>
+          <p:cNvCxnSpPr>
+            <a:cxnSpLocks/>
+          </p:cNvCxnSpPr>
           <p:nvPr/>
         </p:nvCxnSpPr>
         <p:spPr>
           <a:xfrm flipV="1">
-            <a:off x="7589875" y="7329872"/>
-            <a:ext cx="1638582" cy="1228937"/>
+            <a:off x="7589875" y="7227461"/>
+            <a:ext cx="1648169" cy="1331348"/>
           </a:xfrm>
           <a:prstGeom prst="straightConnector1">
             <a:avLst/>
@@ -19621,8 +19516,8 @@
         </p:nvSpPr>
         <p:spPr>
           <a:xfrm>
-            <a:off x="0" y="1348408"/>
-            <a:ext cx="4342160" cy="7025511"/>
+            <a:off x="-1" y="1348408"/>
+            <a:ext cx="4980301" cy="5548183"/>
           </a:xfrm>
           <a:prstGeom prst="rect">
             <a:avLst/>
@@ -19637,7 +19532,7 @@
             <a:pPr algn="l"/>
             <a:r>
               <a:rPr lang="en-GB" sz="3200" dirty="0"/>
-              <a:t>six sample delay and  depth set to 1. The locations of the six peaks and six notches over the whole frequency range from 0 to 2</a:t>
+              <a:t>six sample delay, depth set to 1. Locations of 6 peaks &amp; 6 notches over whole frequency range 0 to 2</a:t>
             </a:r>
             <a:r>
               <a:rPr lang="en-GB" sz="3200" dirty="0">
@@ -19892,18 +19787,18 @@
           <a:p>
             <a:pPr marL="635000"/>
             <a:r>
-              <a:rPr lang="en-US"/>
+              <a:rPr lang="en-US" dirty="0"/>
               <a:t>Recall the </a:t>
             </a:r>
             <a:r>
-              <a:rPr lang="en-US">
+              <a:rPr lang="en-US" dirty="0">
                 <a:solidFill>
                   <a:srgbClr val="0000FF"/>
                 </a:solidFill>
               </a:rPr>
               <a:t>z-transform</a:t>
             </a:r>
-            <a:endParaRPr lang="en-US"/>
+            <a:endParaRPr lang="en-US" dirty="0"/>
           </a:p>
           <a:p>
             <a:pPr marL="635000">
@@ -19912,11 +19807,11 @@
               </a:spcBef>
             </a:pPr>
             <a:r>
-              <a:rPr lang="en-US"/>
-              <a:t>When            we can find the </a:t>
-            </a:r>
-            <a:r>
-              <a:rPr lang="en-US">
+              <a:rPr lang="en-US" dirty="0"/>
+              <a:t>When            can find </a:t>
+            </a:r>
+            <a:r>
+              <a:rPr lang="en-US" dirty="0">
                 <a:solidFill>
                   <a:srgbClr val="0000FF"/>
                 </a:solidFill>
@@ -19927,15 +19822,19 @@
           <a:p>
             <a:pPr marL="1143000" lvl="1"/>
             <a:r>
-              <a:rPr lang="en-US"/>
-              <a:t>Normalised units, frequency ranges from 0 to 2π</a:t>
+              <a:rPr lang="en-US" dirty="0" err="1"/>
+              <a:t>Normalised</a:t>
+            </a:r>
+            <a:r>
+              <a:rPr lang="en-US" dirty="0"/>
+              <a:t> units, frequency ranges from 0 to 2π</a:t>
             </a:r>
           </a:p>
           <a:p>
             <a:pPr marL="635000"/>
             <a:r>
-              <a:rPr lang="en-US"/>
-              <a:t>Suppose we know the z-transform of a sequence</a:t>
+              <a:rPr lang="en-US" dirty="0"/>
+              <a:t>Suppose we know z-transform of a sequence</a:t>
             </a:r>
           </a:p>
           <a:p>
@@ -19945,7 +19844,7 @@
               </a:spcBef>
             </a:pPr>
             <a:r>
-              <a:rPr lang="en-US"/>
+              <a:rPr lang="en-US" dirty="0"/>
               <a:t>Then we have</a:t>
             </a:r>
           </a:p>
@@ -19956,7 +19855,7 @@
               </a:spcBef>
             </a:pPr>
             <a:r>
-              <a:rPr lang="en-US"/>
+              <a:rPr lang="en-US" dirty="0"/>
               <a:t>and in general</a:t>
             </a:r>
           </a:p>
@@ -20180,8 +20079,8 @@
           </a:p>
         </p:txBody>
       </p:sp>
-      <mc:AlternateContent xmlns:mc="http://schemas.openxmlformats.org/markup-compatibility/2006">
-        <mc:Choice xmlns:a14="http://schemas.microsoft.com/office/drawing/2010/main" Requires="a14">
+      <mc:AlternateContent xmlns:mc="http://schemas.openxmlformats.org/markup-compatibility/2006" xmlns:a14="http://schemas.microsoft.com/office/drawing/2010/main">
+        <mc:Choice Requires="a14">
           <p:sp>
             <p:nvSpPr>
               <p:cNvPr id="2050" name="Object 7"/>
@@ -21348,7 +21247,7 @@
             </p:txBody>
           </p:sp>
         </mc:Choice>
-        <mc:Fallback>
+        <mc:Fallback xmlns="">
           <p:sp>
             <p:nvSpPr>
               <p:cNvPr id="2050" name="Object 7"/>
@@ -22790,10 +22689,16 @@
           <p:cNvGraphicFramePr>
             <a:graphicFrameLocks/>
           </p:cNvGraphicFramePr>
-          <p:nvPr/>
+          <p:nvPr>
+            <p:extLst>
+              <p:ext uri="{D42A27DB-BD31-4B8C-83A1-F6EECF244321}">
+                <p14:modId xmlns:p14="http://schemas.microsoft.com/office/powerpoint/2010/main" val="3253166566"/>
+              </p:ext>
+            </p:extLst>
+          </p:nvPr>
         </p:nvGraphicFramePr>
         <p:xfrm>
-          <a:off x="4557713" y="1708448"/>
+          <a:off x="4769991" y="1060376"/>
           <a:ext cx="6484937" cy="723900"/>
         </p:xfrm>
         <a:graphic>
@@ -22830,7 +22735,7 @@
                     </p:blipFill>
                     <p:spPr bwMode="auto">
                       <a:xfrm>
-                        <a:off x="4557713" y="1708448"/>
+                        <a:off x="4769991" y="1060376"/>
                         <a:ext cx="6484937" cy="723900"/>
                       </a:xfrm>
                       <a:prstGeom prst="rect">
@@ -25672,7 +25577,7 @@
           <a:p>
             <a:pPr marL="635000"/>
             <a:r>
-              <a:rPr lang="en-US">
+              <a:rPr lang="en-US" dirty="0">
                 <a:solidFill>
                   <a:srgbClr val="0000FF"/>
                 </a:solidFill>
@@ -25680,18 +25585,18 @@
               <a:t>Artificial Double Tracking</a:t>
             </a:r>
             <a:r>
-              <a:rPr lang="en-US"/>
+              <a:rPr lang="en-US" dirty="0"/>
               <a:t> (ADT)</a:t>
             </a:r>
           </a:p>
           <a:p>
             <a:pPr marL="1143000" lvl="1"/>
             <a:r>
-              <a:rPr lang="en-US"/>
+              <a:rPr lang="en-US" dirty="0"/>
               <a:t>Recorded vocal track </a:t>
             </a:r>
             <a:r>
-              <a:rPr lang="en-US">
+              <a:rPr lang="en-US" dirty="0">
                 <a:solidFill>
                   <a:srgbClr val="0000FF"/>
                 </a:solidFill>
@@ -25699,14 +25604,14 @@
               <a:t>re-recorded</a:t>
             </a:r>
             <a:r>
-              <a:rPr lang="en-US"/>
+              <a:rPr lang="en-US" dirty="0"/>
               <a:t> onto second machine</a:t>
             </a:r>
           </a:p>
           <a:p>
             <a:pPr marL="1143000" lvl="1"/>
             <a:r>
-              <a:rPr lang="en-US"/>
+              <a:rPr lang="en-US" dirty="0"/>
               <a:t>Second machine has variable (oscillating) tape speed</a:t>
             </a:r>
           </a:p>
@@ -25715,22 +25620,22 @@
               <a:buClrTx/>
             </a:pPr>
             <a:r>
-              <a:rPr lang="en-US"/>
+              <a:rPr lang="en-US" dirty="0"/>
               <a:t>Alternatively, change speed with finger on rim (flange) of wheel</a:t>
             </a:r>
           </a:p>
           <a:p>
             <a:pPr marL="1143000" lvl="1"/>
             <a:r>
-              <a:rPr lang="en-US"/>
+              <a:rPr lang="en-US" dirty="0"/>
               <a:t>Combine (mix) original and modulated signals</a:t>
             </a:r>
           </a:p>
           <a:p>
             <a:pPr marL="1143000" lvl="1"/>
             <a:r>
-              <a:rPr lang="en-US"/>
-              <a:t>Irregularities mimic the natural variations in the human voice when overdubbed</a:t>
+              <a:rPr lang="en-US" dirty="0"/>
+              <a:t>Irregularities mimic natural variations in human voice when overdubbed</a:t>
             </a:r>
           </a:p>
         </p:txBody>
@@ -26787,6 +26692,10 @@
           </p:nvPr>
         </p:nvSpPr>
         <p:spPr>
+          <a:xfrm>
+            <a:off x="9796" y="1127073"/>
+            <a:ext cx="12995003" cy="8547100"/>
+          </a:xfrm>
           <a:ln/>
         </p:spPr>
         <p:txBody>
@@ -26795,42 +26704,18 @@
           <a:p>
             <a:pPr marL="635000"/>
             <a:r>
-              <a:rPr lang="en-US" sz="3900" dirty="0"/>
-              <a:t>Delay M(n) modulated by low-frequency oscillator (LFO) </a:t>
+              <a:rPr lang="en-US" sz="3800" dirty="0"/>
+              <a:t>Delay M(n) modulated by low frequency oscillator (LFO) </a:t>
             </a:r>
           </a:p>
           <a:p>
             <a:pPr marL="1143000" lvl="1"/>
             <a:r>
-              <a:rPr lang="en-US" sz="3300" dirty="0">
-                <a:solidFill>
-                  <a:srgbClr val="0000FF"/>
-                </a:solidFill>
-              </a:rPr>
-              <a:t>Waveform</a:t>
-            </a:r>
-            <a:r>
-              <a:rPr lang="en-US" sz="3300" dirty="0"/>
-              <a:t> usually triangular, sinusoidal, or exponential</a:t>
-            </a:r>
-          </a:p>
-          <a:p>
-            <a:pPr marL="1524000" lvl="2">
-              <a:buClrTx/>
-            </a:pPr>
-            <a:r>
-              <a:rPr lang="en-US" sz="2700" dirty="0"/>
-              <a:t>Exponential = triangle on log-frequency scale</a:t>
-            </a:r>
-          </a:p>
-          <a:p>
-            <a:pPr marL="635000"/>
-            <a:r>
-              <a:rPr lang="en-US" sz="3900" dirty="0"/>
+              <a:rPr lang="en-US" sz="3200" dirty="0"/>
               <a:t>For sinusoidal case: </a:t>
             </a:r>
             <a:r>
-              <a:rPr lang="en-US" sz="4000" i="1" dirty="0">
+              <a:rPr lang="en-US" sz="3200" i="1" dirty="0">
                 <a:solidFill>
                   <a:srgbClr val="000000"/>
                 </a:solidFill>
@@ -26840,7 +26725,7 @@
               <a:t>M</a:t>
             </a:r>
             <a:r>
-              <a:rPr lang="en-US" sz="4000" dirty="0">
+              <a:rPr lang="en-US" sz="3200" dirty="0">
                 <a:solidFill>
                   <a:srgbClr val="000000"/>
                 </a:solidFill>
@@ -26850,7 +26735,7 @@
               <a:t>[</a:t>
             </a:r>
             <a:r>
-              <a:rPr lang="en-US" sz="4000" i="1" dirty="0">
+              <a:rPr lang="en-US" sz="3200" i="1" dirty="0">
                 <a:solidFill>
                   <a:srgbClr val="000000"/>
                 </a:solidFill>
@@ -26860,7 +26745,7 @@
               <a:t>n</a:t>
             </a:r>
             <a:r>
-              <a:rPr lang="en-US" sz="4000" dirty="0">
+              <a:rPr lang="en-US" sz="3200" dirty="0">
                 <a:solidFill>
                   <a:srgbClr val="000000"/>
                 </a:solidFill>
@@ -26870,7 +26755,7 @@
               <a:t>]=</a:t>
             </a:r>
             <a:r>
-              <a:rPr lang="en-US" sz="4000" i="1" dirty="0">
+              <a:rPr lang="en-US" sz="3200" i="1" dirty="0">
                 <a:solidFill>
                   <a:srgbClr val="000000"/>
                 </a:solidFill>
@@ -26880,7 +26765,7 @@
               <a:t>M</a:t>
             </a:r>
             <a:r>
-              <a:rPr lang="en-US" sz="4000" baseline="-30000" dirty="0">
+              <a:rPr lang="en-US" sz="3200" baseline="-30000" dirty="0">
                 <a:solidFill>
                   <a:srgbClr val="000000"/>
                 </a:solidFill>
@@ -26890,7 +26775,7 @@
               <a:t>0</a:t>
             </a:r>
             <a:r>
-              <a:rPr lang="en-US" sz="4000" dirty="0">
+              <a:rPr lang="en-US" sz="3200" dirty="0">
                 <a:solidFill>
                   <a:srgbClr val="000000"/>
                 </a:solidFill>
@@ -26900,7 +26785,7 @@
               <a:t>(1+</a:t>
             </a:r>
             <a:r>
-              <a:rPr lang="en-US" sz="4000" i="1" dirty="0">
+              <a:rPr lang="en-US" sz="3200" i="1" dirty="0">
                 <a:solidFill>
                   <a:srgbClr val="000000"/>
                 </a:solidFill>
@@ -26910,7 +26795,7 @@
               <a:t>A</a:t>
             </a:r>
             <a:r>
-              <a:rPr lang="en-US" sz="4000" dirty="0">
+              <a:rPr lang="en-US" sz="3200" dirty="0">
                 <a:solidFill>
                   <a:srgbClr val="000000"/>
                 </a:solidFill>
@@ -26920,7 +26805,7 @@
               <a:t>sin(2</a:t>
             </a:r>
             <a:r>
-              <a:rPr lang="en-US" sz="4000" dirty="0">
+              <a:rPr lang="en-US" sz="3200" dirty="0">
                 <a:solidFill>
                   <a:srgbClr val="000000"/>
                 </a:solidFill>
@@ -26930,7 +26815,7 @@
               <a:t>p</a:t>
             </a:r>
             <a:r>
-              <a:rPr lang="en-US" sz="4000" i="1" dirty="0">
+              <a:rPr lang="en-US" sz="3200" i="1" dirty="0">
                 <a:solidFill>
                   <a:srgbClr val="000000"/>
                 </a:solidFill>
@@ -26940,7 +26825,7 @@
               <a:t>fnT</a:t>
             </a:r>
             <a:r>
-              <a:rPr lang="en-US" sz="4000" dirty="0">
+              <a:rPr lang="en-US" sz="3200" dirty="0">
                 <a:solidFill>
                   <a:srgbClr val="000000"/>
                 </a:solidFill>
@@ -26950,7 +26835,7 @@
               <a:t>))</a:t>
             </a:r>
             <a:r>
-              <a:rPr lang="en-US" sz="4000" dirty="0">
+              <a:rPr lang="en-US" sz="3200" dirty="0">
                 <a:solidFill>
                   <a:srgbClr val="000000"/>
                 </a:solidFill>
@@ -26958,16 +26843,16 @@
               </a:rPr>
               <a:t> </a:t>
             </a:r>
-            <a:endParaRPr lang="en-US" sz="3900" dirty="0"/>
-          </a:p>
-          <a:p>
-            <a:pPr marL="1143000" lvl="1"/>
-            <a:r>
-              <a:rPr lang="en-US" sz="3300" dirty="0"/>
+            <a:endParaRPr lang="en-US" sz="3200" dirty="0"/>
+          </a:p>
+          <a:p>
+            <a:pPr marL="1524000" lvl="2"/>
+            <a:r>
+              <a:rPr lang="en-US" sz="2700" dirty="0"/>
               <a:t>f - </a:t>
             </a:r>
             <a:r>
-              <a:rPr lang="en-US" sz="3300" dirty="0">
+              <a:rPr lang="en-US" sz="2700" dirty="0">
                 <a:solidFill>
                   <a:srgbClr val="0000FF"/>
                 </a:solidFill>
@@ -26975,26 +26860,26 @@
               <a:t>speed</a:t>
             </a:r>
             <a:r>
-              <a:rPr lang="en-US" sz="3300" dirty="0"/>
+              <a:rPr lang="en-US" sz="2700" dirty="0"/>
               <a:t> (or rate) of </a:t>
             </a:r>
             <a:r>
-              <a:rPr lang="en-US" sz="3300" dirty="0" err="1"/>
+              <a:rPr lang="en-US" sz="2700" dirty="0" err="1"/>
               <a:t>flanger</a:t>
             </a:r>
             <a:r>
-              <a:rPr lang="en-US" sz="3300" dirty="0"/>
+              <a:rPr lang="en-US" sz="2700" dirty="0"/>
               <a:t> in cycles per second </a:t>
             </a:r>
           </a:p>
           <a:p>
-            <a:pPr marL="1143000" lvl="1"/>
-            <a:r>
-              <a:rPr lang="en-US" sz="3300" dirty="0"/>
+            <a:pPr marL="1524000" lvl="2"/>
+            <a:r>
+              <a:rPr lang="en-US" sz="2700" dirty="0"/>
               <a:t>A - </a:t>
             </a:r>
             <a:r>
-              <a:rPr lang="en-US" sz="3300" dirty="0">
+              <a:rPr lang="en-US" sz="2700" dirty="0">
                 <a:solidFill>
                   <a:srgbClr val="0000FF"/>
                 </a:solidFill>
@@ -27002,26 +26887,26 @@
               <a:t>excursion</a:t>
             </a:r>
             <a:r>
-              <a:rPr lang="en-US" sz="3300" dirty="0"/>
+              <a:rPr lang="en-US" sz="2700" dirty="0"/>
               <a:t> or sweep (maximum delay swing) </a:t>
             </a:r>
           </a:p>
           <a:p>
-            <a:pPr marL="1143000" lvl="1"/>
-            <a:r>
-              <a:rPr lang="en-US" sz="3300" dirty="0"/>
+            <a:pPr marL="1524000" lvl="2"/>
+            <a:r>
+              <a:rPr lang="en-US" sz="2700" dirty="0"/>
               <a:t>M</a:t>
             </a:r>
             <a:r>
-              <a:rPr lang="en-US" sz="3300" baseline="-6000" dirty="0"/>
+              <a:rPr lang="en-US" sz="2700" baseline="-6000" dirty="0"/>
               <a:t>0</a:t>
             </a:r>
             <a:r>
-              <a:rPr lang="en-US" sz="3300" dirty="0"/>
+              <a:rPr lang="en-US" sz="2700" dirty="0"/>
               <a:t> - average </a:t>
             </a:r>
             <a:r>
-              <a:rPr lang="en-US" sz="3300" dirty="0">
+              <a:rPr lang="en-US" sz="2700" dirty="0">
                 <a:solidFill>
                   <a:srgbClr val="0000FF"/>
                 </a:solidFill>
@@ -27029,12 +26914,12 @@
               <a:t>delay length</a:t>
             </a:r>
             <a:r>
-              <a:rPr lang="en-US" sz="3300" dirty="0"/>
+              <a:rPr lang="en-US" sz="2700" dirty="0"/>
               <a:t> (controls notch density)</a:t>
             </a:r>
           </a:p>
           <a:p>
-            <a:pPr marL="1524000" lvl="2">
+            <a:pPr marL="1968500" lvl="3">
               <a:buClrTx/>
             </a:pPr>
             <a:r>
@@ -27051,16 +26936,16 @@
             </a:r>
           </a:p>
           <a:p>
+            <a:pPr marL="1524000" lvl="2"/>
+            <a:r>
+              <a:rPr lang="en-US" sz="2700" dirty="0"/>
+              <a:t>T - sampling period</a:t>
+            </a:r>
+          </a:p>
+          <a:p>
             <a:pPr marL="1143000" lvl="1"/>
             <a:r>
-              <a:rPr lang="en-US" sz="3300" dirty="0"/>
-              <a:t>T - sampling period</a:t>
-            </a:r>
-          </a:p>
-          <a:p>
-            <a:pPr marL="635000"/>
-            <a:r>
-              <a:rPr lang="en-US" sz="3900" dirty="0">
+              <a:rPr lang="en-US" sz="3200" dirty="0">
                 <a:solidFill>
                   <a:srgbClr val="0000FF"/>
                 </a:solidFill>
@@ -27068,42 +26953,86 @@
               <a:t>Triangular</a:t>
             </a:r>
             <a:r>
-              <a:rPr lang="en-US" sz="3900" dirty="0"/>
-              <a:t> LFO common in most </a:t>
-            </a:r>
-            <a:r>
-              <a:rPr lang="en-US" sz="3900" dirty="0" err="1"/>
-              <a:t>flangers</a:t>
-            </a:r>
-            <a:endParaRPr lang="en-US" sz="3900" dirty="0"/>
+              <a:rPr lang="en-US" sz="3200" dirty="0"/>
+              <a:t> LFO common in most flangers</a:t>
+            </a:r>
+          </a:p>
+          <a:p>
+            <a:pPr marL="635000"/>
+            <a:r>
+              <a:rPr lang="en-US" kern="0" dirty="0">
+                <a:solidFill>
+                  <a:srgbClr val="0000FF"/>
+                </a:solidFill>
+              </a:rPr>
+              <a:t>Speed</a:t>
+            </a:r>
+            <a:r>
+              <a:rPr lang="en-US" kern="0" dirty="0"/>
+              <a:t> control</a:t>
+            </a:r>
+          </a:p>
+          <a:p>
+            <a:pPr marL="1143000" lvl="1"/>
+            <a:r>
+              <a:rPr lang="en-US" kern="0" dirty="0"/>
+              <a:t>How many times per second notches oscillate</a:t>
+            </a:r>
+          </a:p>
+          <a:p>
+            <a:pPr marL="1143000" lvl="1"/>
+            <a:r>
+              <a:rPr lang="en-US" kern="0" dirty="0"/>
+              <a:t>Also affects amount of pitch modulation (why?)</a:t>
+            </a:r>
+          </a:p>
+          <a:p>
+            <a:pPr marL="1524000" lvl="2">
+              <a:buClrTx/>
+            </a:pPr>
+            <a:r>
+              <a:rPr lang="en-US" kern="0" dirty="0"/>
+              <a:t>Derivative of sin term above:</a:t>
+            </a:r>
+          </a:p>
+          <a:p>
+            <a:pPr marL="1524000" lvl="2">
+              <a:spcBef>
+                <a:spcPts val="1000"/>
+              </a:spcBef>
+              <a:buClrTx/>
+            </a:pPr>
+            <a:r>
+              <a:rPr lang="en-US" kern="0" dirty="0"/>
+              <a:t>Delay has to travel the same distance in less time</a:t>
+            </a:r>
           </a:p>
         </p:txBody>
       </p:sp>
-      <p:pic>
-        <p:nvPicPr>
-          <p:cNvPr id="5" name="Picture 1"/>
-          <p:cNvPicPr>
-            <a:picLocks noChangeAspect="1" noChangeArrowheads="1"/>
-          </p:cNvPicPr>
+      <p:sp>
+        <p:nvSpPr>
+          <p:cNvPr id="48444" name="Rectangle 2">
+            <a:extLst>
+              <a:ext uri="{FF2B5EF4-FFF2-40B4-BE49-F238E27FC236}">
+                <a16:creationId xmlns:a16="http://schemas.microsoft.com/office/drawing/2014/main" id="{EE33A65D-7A69-CB01-FFA4-AF92EFEFDA4B}"/>
+              </a:ext>
+            </a:extLst>
+          </p:cNvPr>
+          <p:cNvSpPr txBox="1">
+            <a:spLocks noChangeArrowheads="1"/>
+          </p:cNvSpPr>
           <p:nvPr/>
-        </p:nvPicPr>
-        <p:blipFill>
-          <a:blip r:embed="rId3" cstate="print"/>
-          <a:srcRect t="30576" b="35732"/>
-          <a:stretch>
-            <a:fillRect/>
-          </a:stretch>
-        </p:blipFill>
+        </p:nvSpPr>
         <p:spPr bwMode="auto">
           <a:xfrm>
-            <a:off x="2829992" y="7685112"/>
-            <a:ext cx="7131713" cy="1800200"/>
+            <a:off x="309712" y="7253064"/>
+            <a:ext cx="11788700" cy="3395588"/>
           </a:xfrm>
           <a:prstGeom prst="rect">
             <a:avLst/>
           </a:prstGeom>
           <a:noFill/>
-          <a:ln w="9525">
+          <a:ln w="12700">
             <a:noFill/>
             <a:miter lim="800000"/>
             <a:headEnd/>
@@ -27111,176 +27040,230 @@
           </a:ln>
           <a:effectLst/>
         </p:spPr>
-      </p:pic>
-    </p:spTree>
-  </p:cSld>
-  <p:clrMapOvr>
-    <a:masterClrMapping/>
-  </p:clrMapOvr>
-  <p:transition/>
-</p:sld>
-</file>
-
-<file path=ppt/slides/slide22.xml><?xml version="1.0" encoding="utf-8"?>
-<p:sld xmlns:a="http://schemas.openxmlformats.org/drawingml/2006/main" xmlns:r="http://schemas.openxmlformats.org/officeDocument/2006/relationships" xmlns:p="http://schemas.openxmlformats.org/presentationml/2006/main" showMasterPhAnim="0">
-  <p:cSld>
-    <p:spTree>
-      <p:nvGrpSpPr>
-        <p:cNvPr id="1" name=""/>
-        <p:cNvGrpSpPr/>
-        <p:nvPr/>
-      </p:nvGrpSpPr>
-      <p:grpSpPr>
-        <a:xfrm>
-          <a:off x="0" y="0"/>
-          <a:ext cx="0" cy="0"/>
-          <a:chOff x="0" y="0"/>
-          <a:chExt cx="0" cy="0"/>
-        </a:xfrm>
-      </p:grpSpPr>
-      <p:sp>
-        <p:nvSpPr>
-          <p:cNvPr id="50177" name="Rectangle 1"/>
-          <p:cNvSpPr>
-            <a:spLocks noGrp="1" noChangeArrowheads="1"/>
-          </p:cNvSpPr>
-          <p:nvPr>
-            <p:ph type="title"/>
-          </p:nvPr>
-        </p:nvSpPr>
-        <p:spPr>
-          <a:ln/>
-        </p:spPr>
         <p:txBody>
-          <a:bodyPr/>
-          <a:lstStyle/>
-          <a:p>
-            <a:r>
-              <a:rPr lang="en-US"/>
-              <a:t>LFO settings</a:t>
-            </a:r>
-          </a:p>
-        </p:txBody>
-      </p:sp>
-      <p:sp>
-        <p:nvSpPr>
-          <p:cNvPr id="50178" name="Rectangle 2"/>
-          <p:cNvSpPr>
-            <a:spLocks noGrp="1" noChangeArrowheads="1"/>
-          </p:cNvSpPr>
-          <p:nvPr>
-            <p:ph type="body" idx="1"/>
-          </p:nvPr>
-        </p:nvSpPr>
-        <p:spPr>
-          <a:xfrm>
-            <a:off x="114300" y="2273300"/>
-            <a:ext cx="12814300" cy="7404100"/>
-          </a:xfrm>
-          <a:ln/>
-        </p:spPr>
-        <p:txBody>
-          <a:bodyPr anchor="t"/>
-          <a:lstStyle/>
+          <a:bodyPr vert="horz" wrap="square" lIns="50800" tIns="50800" rIns="50800" bIns="50800" numCol="1" anchor="t" anchorCtr="0" compatLnSpc="1">
+            <a:prstTxWarp prst="textNoShape">
+              <a:avLst/>
+            </a:prstTxWarp>
+          </a:bodyPr>
+          <a:lstStyle>
+            <a:lvl1pPr marL="584200" indent="-381000" algn="l" rtl="0" fontAlgn="base">
+              <a:spcBef>
+                <a:spcPts val="600"/>
+              </a:spcBef>
+              <a:spcAft>
+                <a:spcPct val="0"/>
+              </a:spcAft>
+              <a:buSzPct val="150000"/>
+              <a:buFont typeface="Arial" charset="0"/>
+              <a:buChar char="•"/>
+              <a:defRPr sz="4200">
+                <a:solidFill>
+                  <a:schemeClr val="tx1"/>
+                </a:solidFill>
+                <a:latin typeface="+mn-lt"/>
+                <a:ea typeface="+mn-ea"/>
+                <a:cs typeface="+mn-cs"/>
+                <a:sym typeface="Arial" charset="0"/>
+              </a:defRPr>
+            </a:lvl1pPr>
+            <a:lvl2pPr marL="1092200" indent="-381000" algn="l" rtl="0" fontAlgn="base">
+              <a:spcBef>
+                <a:spcPts val="600"/>
+              </a:spcBef>
+              <a:spcAft>
+                <a:spcPct val="0"/>
+              </a:spcAft>
+              <a:buSzPct val="100000"/>
+              <a:buFont typeface="Lucida Grande" charset="0"/>
+              <a:buChar char="‣"/>
+              <a:defRPr sz="3600">
+                <a:solidFill>
+                  <a:schemeClr val="tx1"/>
+                </a:solidFill>
+                <a:latin typeface="+mn-lt"/>
+                <a:ea typeface="+mn-ea"/>
+                <a:cs typeface="+mn-cs"/>
+                <a:sym typeface="Arial" charset="0"/>
+              </a:defRPr>
+            </a:lvl2pPr>
+            <a:lvl3pPr marL="1473200" indent="-317500" algn="l" rtl="0" fontAlgn="base">
+              <a:spcBef>
+                <a:spcPts val="600"/>
+              </a:spcBef>
+              <a:spcAft>
+                <a:spcPct val="0"/>
+              </a:spcAft>
+              <a:buClr>
+                <a:srgbClr val="000000"/>
+              </a:buClr>
+              <a:buSzPct val="100000"/>
+              <a:buFont typeface="Arial" charset="0"/>
+              <a:buChar char="-"/>
+              <a:defRPr sz="3000">
+                <a:solidFill>
+                  <a:schemeClr val="tx1"/>
+                </a:solidFill>
+                <a:latin typeface="+mn-lt"/>
+                <a:ea typeface="+mn-ea"/>
+                <a:cs typeface="+mn-cs"/>
+                <a:sym typeface="Arial" charset="0"/>
+              </a:defRPr>
+            </a:lvl3pPr>
+            <a:lvl4pPr marL="1917700" indent="-317500" algn="l" rtl="0" fontAlgn="base">
+              <a:spcBef>
+                <a:spcPts val="600"/>
+              </a:spcBef>
+              <a:spcAft>
+                <a:spcPct val="0"/>
+              </a:spcAft>
+              <a:buClr>
+                <a:srgbClr val="000000"/>
+              </a:buClr>
+              <a:buSzPct val="100000"/>
+              <a:buFont typeface="Arial" charset="0"/>
+              <a:buChar char="-"/>
+              <a:defRPr sz="3000">
+                <a:solidFill>
+                  <a:schemeClr val="tx1"/>
+                </a:solidFill>
+                <a:latin typeface="+mn-lt"/>
+                <a:ea typeface="+mn-ea"/>
+                <a:cs typeface="+mn-cs"/>
+                <a:sym typeface="Arial" charset="0"/>
+              </a:defRPr>
+            </a:lvl4pPr>
+            <a:lvl5pPr marL="2362200" indent="-317500" algn="l" rtl="0" fontAlgn="base">
+              <a:spcBef>
+                <a:spcPts val="600"/>
+              </a:spcBef>
+              <a:spcAft>
+                <a:spcPct val="0"/>
+              </a:spcAft>
+              <a:buClr>
+                <a:srgbClr val="000000"/>
+              </a:buClr>
+              <a:buSzPct val="100000"/>
+              <a:buFont typeface="Arial" charset="0"/>
+              <a:buChar char="-"/>
+              <a:defRPr sz="3000">
+                <a:solidFill>
+                  <a:schemeClr val="tx1"/>
+                </a:solidFill>
+                <a:latin typeface="+mn-lt"/>
+                <a:ea typeface="+mn-ea"/>
+                <a:cs typeface="+mn-cs"/>
+                <a:sym typeface="Arial" charset="0"/>
+              </a:defRPr>
+            </a:lvl5pPr>
+            <a:lvl6pPr marL="2819400" indent="-317500" algn="l" rtl="0" fontAlgn="base">
+              <a:spcBef>
+                <a:spcPts val="600"/>
+              </a:spcBef>
+              <a:spcAft>
+                <a:spcPct val="0"/>
+              </a:spcAft>
+              <a:buClr>
+                <a:srgbClr val="000000"/>
+              </a:buClr>
+              <a:buSzPct val="100000"/>
+              <a:buFont typeface="Arial" charset="0"/>
+              <a:buChar char="-"/>
+              <a:defRPr sz="3000">
+                <a:solidFill>
+                  <a:schemeClr val="tx1"/>
+                </a:solidFill>
+                <a:latin typeface="+mn-lt"/>
+                <a:ea typeface="+mn-ea"/>
+                <a:cs typeface="+mn-cs"/>
+                <a:sym typeface="Arial" charset="0"/>
+              </a:defRPr>
+            </a:lvl6pPr>
+            <a:lvl7pPr marL="3276600" indent="-317500" algn="l" rtl="0" fontAlgn="base">
+              <a:spcBef>
+                <a:spcPts val="600"/>
+              </a:spcBef>
+              <a:spcAft>
+                <a:spcPct val="0"/>
+              </a:spcAft>
+              <a:buClr>
+                <a:srgbClr val="000000"/>
+              </a:buClr>
+              <a:buSzPct val="100000"/>
+              <a:buFont typeface="Arial" charset="0"/>
+              <a:buChar char="-"/>
+              <a:defRPr sz="3000">
+                <a:solidFill>
+                  <a:schemeClr val="tx1"/>
+                </a:solidFill>
+                <a:latin typeface="+mn-lt"/>
+                <a:ea typeface="+mn-ea"/>
+                <a:cs typeface="+mn-cs"/>
+                <a:sym typeface="Arial" charset="0"/>
+              </a:defRPr>
+            </a:lvl7pPr>
+            <a:lvl8pPr marL="3733800" indent="-317500" algn="l" rtl="0" fontAlgn="base">
+              <a:spcBef>
+                <a:spcPts val="600"/>
+              </a:spcBef>
+              <a:spcAft>
+                <a:spcPct val="0"/>
+              </a:spcAft>
+              <a:buClr>
+                <a:srgbClr val="000000"/>
+              </a:buClr>
+              <a:buSzPct val="100000"/>
+              <a:buFont typeface="Arial" charset="0"/>
+              <a:buChar char="-"/>
+              <a:defRPr sz="3000">
+                <a:solidFill>
+                  <a:schemeClr val="tx1"/>
+                </a:solidFill>
+                <a:latin typeface="+mn-lt"/>
+                <a:ea typeface="+mn-ea"/>
+                <a:cs typeface="+mn-cs"/>
+                <a:sym typeface="Arial" charset="0"/>
+              </a:defRPr>
+            </a:lvl8pPr>
+            <a:lvl9pPr marL="4191000" indent="-317500" algn="l" rtl="0" fontAlgn="base">
+              <a:spcBef>
+                <a:spcPts val="600"/>
+              </a:spcBef>
+              <a:spcAft>
+                <a:spcPct val="0"/>
+              </a:spcAft>
+              <a:buClr>
+                <a:srgbClr val="000000"/>
+              </a:buClr>
+              <a:buSzPct val="100000"/>
+              <a:buFont typeface="Arial" charset="0"/>
+              <a:buChar char="-"/>
+              <a:defRPr sz="3000">
+                <a:solidFill>
+                  <a:schemeClr val="tx1"/>
+                </a:solidFill>
+                <a:latin typeface="+mn-lt"/>
+                <a:ea typeface="+mn-ea"/>
+                <a:cs typeface="+mn-cs"/>
+                <a:sym typeface="Arial" charset="0"/>
+              </a:defRPr>
+            </a:lvl9pPr>
+          </a:lstStyle>
           <a:p>
             <a:pPr marL="635000"/>
-            <a:r>
-              <a:rPr lang="en-US">
-                <a:solidFill>
-                  <a:srgbClr val="0000FF"/>
-                </a:solidFill>
-              </a:rPr>
-              <a:t>Speed</a:t>
-            </a:r>
-            <a:r>
-              <a:rPr lang="en-US"/>
-              <a:t> control</a:t>
-            </a:r>
-          </a:p>
-          <a:p>
-            <a:pPr marL="1143000" lvl="1"/>
-            <a:r>
-              <a:rPr lang="en-US"/>
-              <a:t>How many times per second notches oscillate</a:t>
-            </a:r>
-          </a:p>
-          <a:p>
-            <a:pPr marL="1143000" lvl="1"/>
-            <a:r>
-              <a:rPr lang="en-US"/>
-              <a:t>Also affects amount of pitch modulation (why?)</a:t>
-            </a:r>
-          </a:p>
-          <a:p>
-            <a:pPr marL="1524000" lvl="2">
-              <a:buClrTx/>
-            </a:pPr>
-            <a:r>
-              <a:rPr lang="en-US"/>
-              <a:t>Derivative of sin term above:</a:t>
-            </a:r>
-          </a:p>
-          <a:p>
-            <a:pPr marL="1524000" lvl="2">
-              <a:spcBef>
-                <a:spcPts val="1000"/>
-              </a:spcBef>
-              <a:buClrTx/>
-            </a:pPr>
-            <a:r>
-              <a:rPr lang="en-US"/>
-              <a:t> </a:t>
-            </a:r>
-          </a:p>
-          <a:p>
-            <a:pPr marL="1524000" lvl="2">
-              <a:spcBef>
-                <a:spcPts val="1500"/>
-              </a:spcBef>
-              <a:buClrTx/>
-            </a:pPr>
-            <a:r>
-              <a:rPr lang="en-US"/>
-              <a:t>Delay has to travel the same distance in less time</a:t>
-            </a:r>
+            <a:endParaRPr lang="en-US" kern="0" dirty="0"/>
           </a:p>
         </p:txBody>
       </p:sp>
       <p:pic>
         <p:nvPicPr>
-          <p:cNvPr id="50179" name="Picture 3"/>
-          <p:cNvPicPr>
-            <a:picLocks noChangeAspect="1" noChangeArrowheads="1"/>
-          </p:cNvPicPr>
-          <p:nvPr/>
-        </p:nvPicPr>
-        <p:blipFill>
-          <a:blip r:embed="rId3" cstate="print"/>
-          <a:srcRect/>
-          <a:stretch>
-            <a:fillRect/>
-          </a:stretch>
-        </p:blipFill>
-        <p:spPr bwMode="auto">
-          <a:xfrm>
-            <a:off x="1993900" y="1511300"/>
-            <a:ext cx="6070600" cy="469900"/>
-          </a:xfrm>
-          <a:prstGeom prst="rect">
-            <a:avLst/>
-          </a:prstGeom>
-          <a:noFill/>
-          <a:ln w="12700" cap="flat">
-            <a:noFill/>
-            <a:miter lim="800000"/>
-            <a:headEnd/>
-            <a:tailEnd/>
-          </a:ln>
-        </p:spPr>
-      </p:pic>
-      <p:pic>
-        <p:nvPicPr>
-          <p:cNvPr id="50180" name="Picture 4"/>
+          <p:cNvPr id="48445" name="Picture 4">
+            <a:extLst>
+              <a:ext uri="{FF2B5EF4-FFF2-40B4-BE49-F238E27FC236}">
+                <a16:creationId xmlns:a16="http://schemas.microsoft.com/office/drawing/2014/main" id="{EECB7773-5F15-375D-671E-B1E29BF0ED32}"/>
+              </a:ext>
+            </a:extLst>
+          </p:cNvPr>
           <p:cNvPicPr>
             <a:picLocks noChangeAspect="1" noChangeArrowheads="1"/>
           </p:cNvPicPr>
@@ -27295,7 +27278,7 @@
         </p:blipFill>
         <p:spPr bwMode="auto">
           <a:xfrm>
-            <a:off x="1701800" y="4762500"/>
+            <a:off x="6746081" y="7342300"/>
             <a:ext cx="3797300" cy="469900"/>
           </a:xfrm>
           <a:prstGeom prst="rect">
@@ -27319,7 +27302,7 @@
 </p:sld>
 </file>
 
-<file path=ppt/slides/slide23.xml><?xml version="1.0" encoding="utf-8"?>
+<file path=ppt/slides/slide22.xml><?xml version="1.0" encoding="utf-8"?>
 <p:sld xmlns:a="http://schemas.openxmlformats.org/drawingml/2006/main" xmlns:r="http://schemas.openxmlformats.org/officeDocument/2006/relationships" xmlns:p="http://schemas.openxmlformats.org/presentationml/2006/main">
   <p:cSld>
     <p:spTree>
@@ -29110,7 +29093,7 @@
 </p:sld>
 </file>
 
-<file path=ppt/slides/slide24.xml><?xml version="1.0" encoding="utf-8"?>
+<file path=ppt/slides/slide23.xml><?xml version="1.0" encoding="utf-8"?>
 <p:sld xmlns:a="http://schemas.openxmlformats.org/drawingml/2006/main" xmlns:r="http://schemas.openxmlformats.org/officeDocument/2006/relationships" xmlns:p="http://schemas.openxmlformats.org/presentationml/2006/main">
   <p:cSld>
     <p:spTree>
@@ -29340,7 +29323,7 @@
 </p:sld>
 </file>
 
-<file path=ppt/slides/slide25.xml><?xml version="1.0" encoding="utf-8"?>
+<file path=ppt/slides/slide24.xml><?xml version="1.0" encoding="utf-8"?>
 <p:sld xmlns:a="http://schemas.openxmlformats.org/drawingml/2006/main" xmlns:r="http://schemas.openxmlformats.org/officeDocument/2006/relationships" xmlns:p="http://schemas.openxmlformats.org/presentationml/2006/main" show="0">
   <p:cSld>
     <p:spTree>
@@ -29601,7 +29584,7 @@
 </p:sld>
 </file>
 
-<file path=ppt/slides/slide26.xml><?xml version="1.0" encoding="utf-8"?>
+<file path=ppt/slides/slide25.xml><?xml version="1.0" encoding="utf-8"?>
 <p:sld xmlns:a="http://schemas.openxmlformats.org/drawingml/2006/main" xmlns:r="http://schemas.openxmlformats.org/officeDocument/2006/relationships" xmlns:p="http://schemas.openxmlformats.org/presentationml/2006/main">
   <p:cSld>
     <p:spTree>
@@ -30086,7 +30069,7 @@
 </p:sld>
 </file>
 
-<file path=ppt/slides/slide27.xml><?xml version="1.0" encoding="utf-8"?>
+<file path=ppt/slides/slide26.xml><?xml version="1.0" encoding="utf-8"?>
 <p:sld xmlns:a="http://schemas.openxmlformats.org/drawingml/2006/main" xmlns:r="http://schemas.openxmlformats.org/officeDocument/2006/relationships" xmlns:p="http://schemas.openxmlformats.org/presentationml/2006/main">
   <p:cSld>
     <p:spTree>
@@ -30292,6 +30275,191 @@
             <a:r>
               <a:rPr lang="en-US" sz="2800" dirty="0"/>
               <a:t>Better, but computationally expensive</a:t>
+            </a:r>
+          </a:p>
+        </p:txBody>
+      </p:sp>
+    </p:spTree>
+  </p:cSld>
+  <p:clrMapOvr>
+    <a:masterClrMapping/>
+  </p:clrMapOvr>
+  <p:transition/>
+</p:sld>
+</file>
+
+<file path=ppt/slides/slide27.xml><?xml version="1.0" encoding="utf-8"?>
+<p:sld xmlns:a="http://schemas.openxmlformats.org/drawingml/2006/main" xmlns:r="http://schemas.openxmlformats.org/officeDocument/2006/relationships" xmlns:p="http://schemas.openxmlformats.org/presentationml/2006/main">
+  <p:cSld>
+    <p:spTree>
+      <p:nvGrpSpPr>
+        <p:cNvPr id="1" name=""/>
+        <p:cNvGrpSpPr/>
+        <p:nvPr/>
+      </p:nvGrpSpPr>
+      <p:grpSpPr>
+        <a:xfrm>
+          <a:off x="0" y="0"/>
+          <a:ext cx="0" cy="0"/>
+          <a:chOff x="0" y="0"/>
+          <a:chExt cx="0" cy="0"/>
+        </a:xfrm>
+      </p:grpSpPr>
+      <p:sp>
+        <p:nvSpPr>
+          <p:cNvPr id="60417" name="Rectangle 1"/>
+          <p:cNvSpPr>
+            <a:spLocks noGrp="1" noChangeArrowheads="1"/>
+          </p:cNvSpPr>
+          <p:nvPr>
+            <p:ph type="title"/>
+          </p:nvPr>
+        </p:nvSpPr>
+        <p:spPr>
+          <a:ln/>
+        </p:spPr>
+        <p:txBody>
+          <a:bodyPr/>
+          <a:lstStyle/>
+          <a:p>
+            <a:r>
+              <a:rPr lang="en-US" dirty="0"/>
+              <a:t>Notch spacing issues</a:t>
+            </a:r>
+          </a:p>
+        </p:txBody>
+      </p:sp>
+      <p:sp>
+        <p:nvSpPr>
+          <p:cNvPr id="60418" name="Rectangle 2"/>
+          <p:cNvSpPr>
+            <a:spLocks noGrp="1" noChangeArrowheads="1"/>
+          </p:cNvSpPr>
+          <p:nvPr>
+            <p:ph type="body" idx="1"/>
+          </p:nvPr>
+        </p:nvSpPr>
+        <p:spPr>
+          <a:ln/>
+        </p:spPr>
+        <p:txBody>
+          <a:bodyPr/>
+          <a:lstStyle/>
+          <a:p>
+            <a:pPr marL="635000">
+              <a:spcAft>
+                <a:spcPts val="600"/>
+              </a:spcAft>
+            </a:pPr>
+            <a:r>
+              <a:rPr lang="en-US" dirty="0"/>
+              <a:t>Only </a:t>
+            </a:r>
+            <a:r>
+              <a:rPr lang="en-US" dirty="0">
+                <a:solidFill>
+                  <a:srgbClr val="0000FF"/>
+                </a:solidFill>
+              </a:rPr>
+              <a:t>uniformly spaced</a:t>
+            </a:r>
+            <a:r>
+              <a:rPr lang="en-US" dirty="0"/>
+              <a:t> notches</a:t>
+            </a:r>
+          </a:p>
+          <a:p>
+            <a:pPr marL="635000">
+              <a:spcAft>
+                <a:spcPts val="600"/>
+              </a:spcAft>
+            </a:pPr>
+            <a:r>
+              <a:rPr lang="en-US" dirty="0"/>
+              <a:t>non-ideal because:</a:t>
+            </a:r>
+          </a:p>
+          <a:p>
+            <a:pPr marL="1143000" lvl="1">
+              <a:spcAft>
+                <a:spcPts val="600"/>
+              </a:spcAft>
+            </a:pPr>
+            <a:r>
+              <a:rPr lang="en-US" dirty="0"/>
+              <a:t>Ear uses </a:t>
+            </a:r>
+            <a:r>
+              <a:rPr lang="en-US" dirty="0">
+                <a:solidFill>
+                  <a:srgbClr val="0000FF"/>
+                </a:solidFill>
+              </a:rPr>
+              <a:t>logarithmic</a:t>
+            </a:r>
+            <a:r>
+              <a:rPr lang="en-US" dirty="0"/>
+              <a:t> frequency scale</a:t>
+            </a:r>
+          </a:p>
+          <a:p>
+            <a:pPr marL="1524000" lvl="2">
+              <a:spcAft>
+                <a:spcPts val="600"/>
+              </a:spcAft>
+              <a:buClrTx/>
+            </a:pPr>
+            <a:r>
+              <a:rPr lang="en-US" dirty="0" err="1"/>
+              <a:t>Flanger</a:t>
+            </a:r>
+            <a:r>
+              <a:rPr lang="en-US" dirty="0"/>
+              <a:t> notches spaced linearly</a:t>
+            </a:r>
+          </a:p>
+          <a:p>
+            <a:pPr marL="1524000" lvl="2">
+              <a:spcAft>
+                <a:spcPts val="600"/>
+              </a:spcAft>
+              <a:buClrTx/>
+            </a:pPr>
+            <a:r>
+              <a:rPr lang="en-US" dirty="0"/>
+              <a:t>Exponentially spaced notches sound more perceptually uniform</a:t>
+            </a:r>
+          </a:p>
+          <a:p>
+            <a:pPr marL="1143000" lvl="1">
+              <a:spcAft>
+                <a:spcPts val="600"/>
+              </a:spcAft>
+            </a:pPr>
+            <a:r>
+              <a:rPr lang="en-US" dirty="0"/>
+              <a:t>Uniform peaks/notches impose discernible </a:t>
+            </a:r>
+            <a:r>
+              <a:rPr lang="en-US" dirty="0">
+                <a:solidFill>
+                  <a:srgbClr val="0000FF"/>
+                </a:solidFill>
+              </a:rPr>
+              <a:t>resonant pitch</a:t>
+            </a:r>
+            <a:endParaRPr lang="en-US" dirty="0"/>
+          </a:p>
+          <a:p>
+            <a:pPr marL="1524000" lvl="2">
+              <a:spcAft>
+                <a:spcPts val="600"/>
+              </a:spcAft>
+              <a:buClrTx/>
+            </a:pPr>
+            <a:r>
+              <a:rPr lang="en-US" dirty="0"/>
+              <a:t>Impression of being inside resonant tube</a:t>
             </a:r>
           </a:p>
         </p:txBody>
@@ -30341,7 +30509,7 @@
           <a:p>
             <a:r>
               <a:rPr lang="en-US" dirty="0"/>
-              <a:t>Notch spacing issues</a:t>
+              <a:t>Disappearing instruments</a:t>
             </a:r>
           </a:p>
         </p:txBody>
@@ -30363,121 +30531,65 @@
           <a:bodyPr/>
           <a:lstStyle/>
           <a:p>
-            <a:pPr marL="635000">
-              <a:spcAft>
-                <a:spcPts val="600"/>
-              </a:spcAft>
-            </a:pPr>
+            <a:pPr marL="635000"/>
             <a:r>
               <a:rPr lang="en-US" dirty="0"/>
-              <a:t>Only </a:t>
-            </a:r>
-            <a:r>
-              <a:rPr lang="en-US" dirty="0">
-                <a:solidFill>
-                  <a:srgbClr val="0000FF"/>
-                </a:solidFill>
-              </a:rPr>
-              <a:t>uniformly spaced</a:t>
-            </a:r>
+              <a:t>If instrument harmonics land on notches</a:t>
+            </a:r>
+          </a:p>
+          <a:p>
+            <a:pPr marL="1143000" lvl="1"/>
             <a:r>
               <a:rPr lang="en-US" dirty="0"/>
-              <a:t> notches</a:t>
-            </a:r>
-          </a:p>
-          <a:p>
-            <a:pPr marL="635000">
-              <a:spcAft>
-                <a:spcPts val="600"/>
-              </a:spcAft>
-            </a:pPr>
+              <a:t>instrument may be eliminated from output</a:t>
+            </a:r>
+          </a:p>
+          <a:p>
+            <a:pPr marL="635000"/>
             <a:r>
               <a:rPr lang="en-US" dirty="0"/>
-              <a:t>non-ideal because:</a:t>
-            </a:r>
-          </a:p>
-          <a:p>
-            <a:pPr marL="1143000" lvl="1">
-              <a:spcAft>
-                <a:spcPts val="600"/>
-              </a:spcAft>
-            </a:pPr>
+              <a:t>Exact alignment unlikely, but...</a:t>
+            </a:r>
+          </a:p>
+          <a:p>
+            <a:pPr marL="1143000" lvl="1"/>
             <a:r>
               <a:rPr lang="en-US" dirty="0"/>
-              <a:t>Ear uses </a:t>
-            </a:r>
-            <a:r>
-              <a:rPr lang="en-US" dirty="0">
-                <a:solidFill>
-                  <a:srgbClr val="0000FF"/>
-                </a:solidFill>
-              </a:rPr>
-              <a:t>logarithmic</a:t>
-            </a:r>
+              <a:t>Loudness can be modulated as notches move through spectrum</a:t>
+            </a:r>
+          </a:p>
+          <a:p>
+            <a:pPr marL="1143000" lvl="1"/>
             <a:r>
               <a:rPr lang="en-US" dirty="0"/>
-              <a:t> frequency scale</a:t>
-            </a:r>
-          </a:p>
-          <a:p>
-            <a:pPr marL="1524000" lvl="2">
-              <a:spcAft>
-                <a:spcPts val="600"/>
-              </a:spcAft>
-              <a:buClrTx/>
-            </a:pPr>
-            <a:r>
-              <a:rPr lang="en-US" dirty="0" err="1"/>
-              <a:t>Flanger</a:t>
-            </a:r>
+              <a:t>Flanging best used with percussive, noisy or inharmonic sounds</a:t>
+            </a:r>
+          </a:p>
+          <a:p>
+            <a:pPr marL="1524000" lvl="2"/>
+            <a:r>
+              <a:rPr lang="en-GB" dirty="0"/>
+              <a:t>Works well with drums</a:t>
+            </a:r>
+            <a:endParaRPr lang="en-US" dirty="0"/>
+          </a:p>
+          <a:p>
+            <a:pPr marL="1143000" lvl="1"/>
             <a:r>
               <a:rPr lang="en-US" dirty="0"/>
-              <a:t> notches spaced linearly</a:t>
-            </a:r>
-          </a:p>
-          <a:p>
-            <a:pPr marL="1524000" lvl="2">
-              <a:spcAft>
-                <a:spcPts val="600"/>
-              </a:spcAft>
-              <a:buClrTx/>
-            </a:pPr>
+              <a:t>For harmonic sounds, need non-uniform notches</a:t>
+            </a:r>
+          </a:p>
+          <a:p>
+            <a:pPr marL="635000"/>
             <a:r>
               <a:rPr lang="en-US" dirty="0"/>
-              <a:t>Exponentially spaced notches sound more perceptually uniform</a:t>
-            </a:r>
-          </a:p>
-          <a:p>
-            <a:pPr marL="1143000" lvl="1">
-              <a:spcAft>
-                <a:spcPts val="600"/>
-              </a:spcAft>
-            </a:pPr>
-            <a:r>
-              <a:rPr lang="en-US" dirty="0"/>
-              <a:t>Uniform peaks/notches impose discernible </a:t>
-            </a:r>
-            <a:r>
-              <a:rPr lang="en-US" dirty="0">
-                <a:solidFill>
-                  <a:srgbClr val="0000FF"/>
-                </a:solidFill>
-              </a:rPr>
-              <a:t>resonant pitch</a:t>
-            </a:r>
+              <a:t>Flanging often used on entire mix, rather than specific instrument within mix</a:t>
+            </a:r>
+          </a:p>
+          <a:p>
+            <a:pPr marL="635000"/>
             <a:endParaRPr lang="en-US" dirty="0"/>
-          </a:p>
-          <a:p>
-            <a:pPr marL="1524000" lvl="2">
-              <a:spcAft>
-                <a:spcPts val="600"/>
-              </a:spcAft>
-              <a:buClrTx/>
-            </a:pPr>
-            <a:r>
-              <a:rPr lang="en-US" dirty="0"/>
-              <a:t>Impression of being inside resonant tube</a:t>
-            </a:r>
           </a:p>
         </p:txBody>
       </p:sp>
@@ -30509,7 +30621,7 @@
       </p:grpSpPr>
       <p:sp>
         <p:nvSpPr>
-          <p:cNvPr id="60417" name="Rectangle 1"/>
+          <p:cNvPr id="62465" name="Rectangle 1"/>
           <p:cNvSpPr>
             <a:spLocks noGrp="1" noChangeArrowheads="1"/>
           </p:cNvSpPr>
@@ -30525,15 +30637,15 @@
           <a:lstStyle/>
           <a:p>
             <a:r>
-              <a:rPr lang="en-US" dirty="0"/>
-              <a:t>Disappearing instruments</a:t>
+              <a:rPr lang="en-US"/>
+              <a:t>Stereo flangers</a:t>
             </a:r>
           </a:p>
         </p:txBody>
       </p:sp>
       <p:sp>
         <p:nvSpPr>
-          <p:cNvPr id="60418" name="Rectangle 2"/>
+          <p:cNvPr id="62466" name="Rectangle 2"/>
           <p:cNvSpPr>
             <a:spLocks noGrp="1" noChangeArrowheads="1"/>
           </p:cNvSpPr>
@@ -30542,6 +30654,10 @@
           </p:nvPr>
         </p:nvSpPr>
         <p:spPr>
+          <a:xfrm>
+            <a:off x="114300" y="1130300"/>
+            <a:ext cx="12814300" cy="6426200"/>
+          </a:xfrm>
           <a:ln/>
         </p:spPr>
         <p:txBody>
@@ -30551,42 +30667,122 @@
             <a:pPr marL="635000"/>
             <a:r>
               <a:rPr lang="en-US" dirty="0"/>
-              <a:t>If instrument harmonics land on notches</a:t>
-            </a:r>
+              <a:t>2 monophonic </a:t>
+            </a:r>
+            <a:r>
+              <a:rPr lang="en-US" dirty="0" err="1"/>
+              <a:t>flangers</a:t>
+            </a:r>
+            <a:r>
+              <a:rPr lang="en-US" dirty="0"/>
+              <a:t> in </a:t>
+            </a:r>
+            <a:r>
+              <a:rPr lang="en-US" dirty="0" err="1">
+                <a:solidFill>
+                  <a:srgbClr val="0000FF"/>
+                </a:solidFill>
+              </a:rPr>
+              <a:t>quadrature</a:t>
+            </a:r>
+            <a:r>
+              <a:rPr lang="en-US" dirty="0">
+                <a:solidFill>
+                  <a:srgbClr val="0000FF"/>
+                </a:solidFill>
+              </a:rPr>
+              <a:t> phase</a:t>
+            </a:r>
+            <a:endParaRPr lang="en-US" dirty="0"/>
           </a:p>
           <a:p>
             <a:pPr marL="1143000" lvl="1"/>
             <a:r>
               <a:rPr lang="en-US" dirty="0"/>
-              <a:t>instrument may be eliminated from output</a:t>
+              <a:t>Same </a:t>
+            </a:r>
+            <a:r>
+              <a:rPr lang="en-US" dirty="0">
+                <a:solidFill>
+                  <a:srgbClr val="0000FF"/>
+                </a:solidFill>
+              </a:rPr>
+              <a:t>depth</a:t>
+            </a:r>
+            <a:r>
+              <a:rPr lang="en-US" dirty="0"/>
+              <a:t>, </a:t>
+            </a:r>
+            <a:r>
+              <a:rPr lang="en-US" dirty="0">
+                <a:solidFill>
+                  <a:srgbClr val="0000FF"/>
+                </a:solidFill>
+              </a:rPr>
+              <a:t>width</a:t>
+            </a:r>
+            <a:r>
+              <a:rPr lang="en-US" dirty="0"/>
+              <a:t>, </a:t>
+            </a:r>
+            <a:r>
+              <a:rPr lang="en-US" dirty="0">
+                <a:solidFill>
+                  <a:srgbClr val="0000FF"/>
+                </a:solidFill>
+              </a:rPr>
+              <a:t>delay</a:t>
+            </a:r>
+            <a:r>
+              <a:rPr lang="en-US" dirty="0"/>
+              <a:t>, etc.</a:t>
+            </a:r>
+          </a:p>
+          <a:p>
+            <a:pPr marL="1143000" lvl="1"/>
+            <a:r>
+              <a:rPr lang="en-US" dirty="0"/>
+              <a:t>LFO in each monophonic </a:t>
+            </a:r>
+            <a:r>
+              <a:rPr lang="en-US" dirty="0" err="1"/>
+              <a:t>flanger</a:t>
+            </a:r>
+            <a:r>
+              <a:rPr lang="en-US" dirty="0"/>
+              <a:t> differs in phase by 90 degrees (1/4 wavelength)</a:t>
             </a:r>
           </a:p>
           <a:p>
             <a:pPr marL="635000"/>
             <a:r>
               <a:rPr lang="en-US" dirty="0"/>
-              <a:t>Exact alignment unlikely, but...</a:t>
+              <a:t>Creates ‘wider’ sound</a:t>
             </a:r>
           </a:p>
           <a:p>
             <a:pPr marL="1143000" lvl="1"/>
             <a:r>
               <a:rPr lang="en-US" dirty="0"/>
-              <a:t>Loudness can be modulated as notches move through spectrum</a:t>
+              <a:t>Sound arriving at each ear is different</a:t>
+            </a:r>
+          </a:p>
+          <a:p>
+            <a:pPr marL="635000"/>
+            <a:r>
+              <a:rPr lang="en-US" dirty="0"/>
+              <a:t>Sound examples</a:t>
             </a:r>
           </a:p>
           <a:p>
             <a:pPr marL="1143000" lvl="1"/>
             <a:r>
               <a:rPr lang="en-US" dirty="0"/>
-              <a:t>Flanging best used with percussive, noisy or inharmonic sounds</a:t>
-            </a:r>
-          </a:p>
-          <a:p>
-            <a:pPr marL="1524000" lvl="2"/>
-            <a:r>
-              <a:rPr lang="en-GB" dirty="0"/>
-              <a:t>Works well with drums</a:t>
+              <a:t>Dry, then monophonic </a:t>
+            </a:r>
+            <a:r>
+              <a:rPr lang="en-US" dirty="0" err="1"/>
+              <a:t>flanger</a:t>
             </a:r>
             <a:endParaRPr lang="en-US" dirty="0"/>
           </a:p>
@@ -30594,28 +30790,251 @@
             <a:pPr marL="1143000" lvl="1"/>
             <a:r>
               <a:rPr lang="en-US" dirty="0"/>
-              <a:t>For harmonic sounds, need non-uniform notches</a:t>
-            </a:r>
-          </a:p>
-          <a:p>
-            <a:pPr marL="635000"/>
-            <a:r>
-              <a:rPr lang="en-US" dirty="0"/>
-              <a:t>Flanging often used on entire mix, rather than specific instrument within mix</a:t>
-            </a:r>
-          </a:p>
-          <a:p>
-            <a:pPr marL="635000"/>
+              <a:t>Then stereo </a:t>
+            </a:r>
+            <a:r>
+              <a:rPr lang="en-US" dirty="0" err="1"/>
+              <a:t>flanger</a:t>
+            </a:r>
             <a:endParaRPr lang="en-US" dirty="0"/>
           </a:p>
         </p:txBody>
       </p:sp>
+      <p:pic>
+        <p:nvPicPr>
+          <p:cNvPr id="6" name="flanger-ss1.wav">
+            <a:hlinkClick r:id="" action="ppaction://media"/>
+          </p:cNvPr>
+          <p:cNvPicPr>
+            <a:picLocks noChangeAspect="1"/>
+          </p:cNvPicPr>
+          <p:nvPr>
+            <a:audioFile r:link="rId2"/>
+            <p:extLst>
+              <p:ext uri="{DAA4B4D4-6D71-4841-9C94-3DE7FCFB9230}">
+                <p14:media xmlns:p14="http://schemas.microsoft.com/office/powerpoint/2010/main" r:link="rId1"/>
+              </p:ext>
+            </p:extLst>
+          </p:nvPr>
+        </p:nvPicPr>
+        <p:blipFill>
+          <a:blip r:embed="rId7" cstate="print"/>
+          <a:stretch>
+            <a:fillRect/>
+          </a:stretch>
+        </p:blipFill>
+        <p:spPr>
+          <a:xfrm>
+            <a:off x="7654528" y="5740896"/>
+            <a:ext cx="792088" cy="792088"/>
+          </a:xfrm>
+          <a:prstGeom prst="rect">
+            <a:avLst/>
+          </a:prstGeom>
+        </p:spPr>
+      </p:pic>
+      <p:pic>
+        <p:nvPicPr>
+          <p:cNvPr id="7" name="flanger-ss5.wav">
+            <a:hlinkClick r:id="" action="ppaction://media"/>
+          </p:cNvPr>
+          <p:cNvPicPr>
+            <a:picLocks noChangeAspect="1"/>
+          </p:cNvPicPr>
+          <p:nvPr>
+            <a:audioFile r:link="rId4"/>
+            <p:extLst>
+              <p:ext uri="{DAA4B4D4-6D71-4841-9C94-3DE7FCFB9230}">
+                <p14:media xmlns:p14="http://schemas.microsoft.com/office/powerpoint/2010/main" r:link="rId3"/>
+              </p:ext>
+            </p:extLst>
+          </p:nvPr>
+        </p:nvPicPr>
+        <p:blipFill>
+          <a:blip r:embed="rId8" cstate="print"/>
+          <a:stretch>
+            <a:fillRect/>
+          </a:stretch>
+        </p:blipFill>
+        <p:spPr>
+          <a:xfrm>
+            <a:off x="7654528" y="6811045"/>
+            <a:ext cx="802059" cy="802059"/>
+          </a:xfrm>
+          <a:prstGeom prst="rect">
+            <a:avLst/>
+          </a:prstGeom>
+        </p:spPr>
+      </p:pic>
     </p:spTree>
+    <p:extLst>
+      <p:ext uri="{BB962C8B-B14F-4D97-AF65-F5344CB8AC3E}">
+        <p14:creationId xmlns:p14="http://schemas.microsoft.com/office/powerpoint/2010/main" val="3967603519"/>
+      </p:ext>
+    </p:extLst>
   </p:cSld>
   <p:clrMapOvr>
     <a:masterClrMapping/>
   </p:clrMapOvr>
   <p:transition/>
+  <p:timing>
+    <p:tnLst>
+      <p:par>
+        <p:cTn id="1" dur="indefinite" restart="never" nodeType="tmRoot">
+          <p:childTnLst>
+            <p:seq concurrent="1" nextAc="seek">
+              <p:cTn id="2" dur="indefinite" nodeType="mainSeq">
+                <p:childTnLst>
+                  <p:par>
+                    <p:cTn id="3" fill="hold">
+                      <p:stCondLst>
+                        <p:cond delay="indefinite"/>
+                      </p:stCondLst>
+                      <p:childTnLst>
+                        <p:par>
+                          <p:cTn id="4" fill="hold">
+                            <p:stCondLst>
+                              <p:cond delay="0"/>
+                            </p:stCondLst>
+                            <p:childTnLst>
+                              <p:par>
+                                <p:cTn id="5" presetID="1" presetClass="mediacall" presetSubtype="0" fill="hold" nodeType="clickEffect">
+                                  <p:stCondLst>
+                                    <p:cond delay="0"/>
+                                  </p:stCondLst>
+                                  <p:childTnLst>
+                                    <p:cmd type="call" cmd="playFrom(0.0)">
+                                      <p:cBhvr>
+                                        <p:cTn id="6" dur="8107" fill="hold"/>
+                                        <p:tgtEl>
+                                          <p:spTgt spid="6"/>
+                                        </p:tgtEl>
+                                      </p:cBhvr>
+                                    </p:cmd>
+                                  </p:childTnLst>
+                                </p:cTn>
+                              </p:par>
+                            </p:childTnLst>
+                          </p:cTn>
+                        </p:par>
+                      </p:childTnLst>
+                    </p:cTn>
+                  </p:par>
+                  <p:par>
+                    <p:cTn id="7" fill="hold">
+                      <p:stCondLst>
+                        <p:cond delay="indefinite"/>
+                      </p:stCondLst>
+                      <p:childTnLst>
+                        <p:par>
+                          <p:cTn id="8" fill="hold">
+                            <p:stCondLst>
+                              <p:cond delay="0"/>
+                            </p:stCondLst>
+                            <p:childTnLst>
+                              <p:par>
+                                <p:cTn id="9" presetID="1" presetClass="mediacall" presetSubtype="0" fill="hold" nodeType="clickEffect">
+                                  <p:stCondLst>
+                                    <p:cond delay="0"/>
+                                  </p:stCondLst>
+                                  <p:childTnLst>
+                                    <p:cmd type="call" cmd="playFrom(0.0)">
+                                      <p:cBhvr>
+                                        <p:cTn id="10" dur="3935" fill="hold"/>
+                                        <p:tgtEl>
+                                          <p:spTgt spid="7"/>
+                                        </p:tgtEl>
+                                      </p:cBhvr>
+                                    </p:cmd>
+                                  </p:childTnLst>
+                                </p:cTn>
+                              </p:par>
+                            </p:childTnLst>
+                          </p:cTn>
+                        </p:par>
+                      </p:childTnLst>
+                    </p:cTn>
+                  </p:par>
+                </p:childTnLst>
+              </p:cTn>
+              <p:prevCondLst>
+                <p:cond evt="onPrev" delay="0">
+                  <p:tgtEl>
+                    <p:sldTgt/>
+                  </p:tgtEl>
+                </p:cond>
+              </p:prevCondLst>
+              <p:nextCondLst>
+                <p:cond evt="onNext" delay="0">
+                  <p:tgtEl>
+                    <p:sldTgt/>
+                  </p:tgtEl>
+                </p:cond>
+              </p:nextCondLst>
+            </p:seq>
+            <p:audio>
+              <p:cMediaNode>
+                <p:cTn id="11" fill="hold" display="0">
+                  <p:stCondLst>
+                    <p:cond delay="indefinite"/>
+                  </p:stCondLst>
+                  <p:endCondLst>
+                    <p:cond evt="onNext" delay="0">
+                      <p:tgtEl>
+                        <p:sldTgt/>
+                      </p:tgtEl>
+                    </p:cond>
+                    <p:cond evt="onPrev" delay="0">
+                      <p:tgtEl>
+                        <p:sldTgt/>
+                      </p:tgtEl>
+                    </p:cond>
+                    <p:cond evt="onStopAudio" delay="0">
+                      <p:tgtEl>
+                        <p:sldTgt/>
+                      </p:tgtEl>
+                    </p:cond>
+                  </p:endCondLst>
+                </p:cTn>
+                <p:tgtEl>
+                  <p:spTgt spid="6"/>
+                </p:tgtEl>
+              </p:cMediaNode>
+            </p:audio>
+            <p:audio>
+              <p:cMediaNode>
+                <p:cTn id="12" fill="hold" display="0">
+                  <p:stCondLst>
+                    <p:cond delay="indefinite"/>
+                  </p:stCondLst>
+                  <p:endCondLst>
+                    <p:cond evt="onNext" delay="0">
+                      <p:tgtEl>
+                        <p:sldTgt/>
+                      </p:tgtEl>
+                    </p:cond>
+                    <p:cond evt="onPrev" delay="0">
+                      <p:tgtEl>
+                        <p:sldTgt/>
+                      </p:tgtEl>
+                    </p:cond>
+                    <p:cond evt="onStopAudio" delay="0">
+                      <p:tgtEl>
+                        <p:sldTgt/>
+                      </p:tgtEl>
+                    </p:cond>
+                  </p:endCondLst>
+                </p:cTn>
+                <p:tgtEl>
+                  <p:spTgt spid="7"/>
+                </p:tgtEl>
+              </p:cMediaNode>
+            </p:audio>
+          </p:childTnLst>
+        </p:cTn>
+      </p:par>
+    </p:tnLst>
+  </p:timing>
 </p:sld>
 </file>
 
@@ -32421,442 +32840,6 @@
 </p:sld>
 </file>
 
-<file path=ppt/slides/slide30.xml><?xml version="1.0" encoding="utf-8"?>
-<p:sld xmlns:a="http://schemas.openxmlformats.org/drawingml/2006/main" xmlns:r="http://schemas.openxmlformats.org/officeDocument/2006/relationships" xmlns:p="http://schemas.openxmlformats.org/presentationml/2006/main">
-  <p:cSld>
-    <p:spTree>
-      <p:nvGrpSpPr>
-        <p:cNvPr id="1" name=""/>
-        <p:cNvGrpSpPr/>
-        <p:nvPr/>
-      </p:nvGrpSpPr>
-      <p:grpSpPr>
-        <a:xfrm>
-          <a:off x="0" y="0"/>
-          <a:ext cx="0" cy="0"/>
-          <a:chOff x="0" y="0"/>
-          <a:chExt cx="0" cy="0"/>
-        </a:xfrm>
-      </p:grpSpPr>
-      <p:sp>
-        <p:nvSpPr>
-          <p:cNvPr id="62465" name="Rectangle 1"/>
-          <p:cNvSpPr>
-            <a:spLocks noGrp="1" noChangeArrowheads="1"/>
-          </p:cNvSpPr>
-          <p:nvPr>
-            <p:ph type="title"/>
-          </p:nvPr>
-        </p:nvSpPr>
-        <p:spPr>
-          <a:ln/>
-        </p:spPr>
-        <p:txBody>
-          <a:bodyPr/>
-          <a:lstStyle/>
-          <a:p>
-            <a:r>
-              <a:rPr lang="en-US"/>
-              <a:t>Stereo flangers</a:t>
-            </a:r>
-          </a:p>
-        </p:txBody>
-      </p:sp>
-      <p:sp>
-        <p:nvSpPr>
-          <p:cNvPr id="62466" name="Rectangle 2"/>
-          <p:cNvSpPr>
-            <a:spLocks noGrp="1" noChangeArrowheads="1"/>
-          </p:cNvSpPr>
-          <p:nvPr>
-            <p:ph type="body" idx="1"/>
-          </p:nvPr>
-        </p:nvSpPr>
-        <p:spPr>
-          <a:xfrm>
-            <a:off x="114300" y="1130300"/>
-            <a:ext cx="12814300" cy="6426200"/>
-          </a:xfrm>
-          <a:ln/>
-        </p:spPr>
-        <p:txBody>
-          <a:bodyPr/>
-          <a:lstStyle/>
-          <a:p>
-            <a:pPr marL="635000"/>
-            <a:r>
-              <a:rPr lang="en-US" dirty="0"/>
-              <a:t>2 monophonic </a:t>
-            </a:r>
-            <a:r>
-              <a:rPr lang="en-US" dirty="0" err="1"/>
-              <a:t>flangers</a:t>
-            </a:r>
-            <a:r>
-              <a:rPr lang="en-US" dirty="0"/>
-              <a:t> in </a:t>
-            </a:r>
-            <a:r>
-              <a:rPr lang="en-US" dirty="0" err="1">
-                <a:solidFill>
-                  <a:srgbClr val="0000FF"/>
-                </a:solidFill>
-              </a:rPr>
-              <a:t>quadrature</a:t>
-            </a:r>
-            <a:r>
-              <a:rPr lang="en-US" dirty="0">
-                <a:solidFill>
-                  <a:srgbClr val="0000FF"/>
-                </a:solidFill>
-              </a:rPr>
-              <a:t> phase</a:t>
-            </a:r>
-            <a:endParaRPr lang="en-US" dirty="0"/>
-          </a:p>
-          <a:p>
-            <a:pPr marL="1143000" lvl="1"/>
-            <a:r>
-              <a:rPr lang="en-US" dirty="0"/>
-              <a:t>Same </a:t>
-            </a:r>
-            <a:r>
-              <a:rPr lang="en-US" dirty="0">
-                <a:solidFill>
-                  <a:srgbClr val="0000FF"/>
-                </a:solidFill>
-              </a:rPr>
-              <a:t>depth</a:t>
-            </a:r>
-            <a:r>
-              <a:rPr lang="en-US" dirty="0"/>
-              <a:t>, </a:t>
-            </a:r>
-            <a:r>
-              <a:rPr lang="en-US" dirty="0">
-                <a:solidFill>
-                  <a:srgbClr val="0000FF"/>
-                </a:solidFill>
-              </a:rPr>
-              <a:t>width</a:t>
-            </a:r>
-            <a:r>
-              <a:rPr lang="en-US" dirty="0"/>
-              <a:t>, </a:t>
-            </a:r>
-            <a:r>
-              <a:rPr lang="en-US" dirty="0">
-                <a:solidFill>
-                  <a:srgbClr val="0000FF"/>
-                </a:solidFill>
-              </a:rPr>
-              <a:t>delay</a:t>
-            </a:r>
-            <a:r>
-              <a:rPr lang="en-US" dirty="0"/>
-              <a:t>, etc.</a:t>
-            </a:r>
-          </a:p>
-          <a:p>
-            <a:pPr marL="1143000" lvl="1"/>
-            <a:r>
-              <a:rPr lang="en-US" dirty="0"/>
-              <a:t>LFO in each monophonic </a:t>
-            </a:r>
-            <a:r>
-              <a:rPr lang="en-US" dirty="0" err="1"/>
-              <a:t>flanger</a:t>
-            </a:r>
-            <a:r>
-              <a:rPr lang="en-US" dirty="0"/>
-              <a:t> differs in phase by 90 degrees (1/4 wavelength)</a:t>
-            </a:r>
-          </a:p>
-          <a:p>
-            <a:pPr marL="635000"/>
-            <a:r>
-              <a:rPr lang="en-US" dirty="0"/>
-              <a:t>Creates ‘wider’ sound</a:t>
-            </a:r>
-          </a:p>
-          <a:p>
-            <a:pPr marL="1143000" lvl="1"/>
-            <a:r>
-              <a:rPr lang="en-US" dirty="0"/>
-              <a:t>Sound arriving at each ear is different</a:t>
-            </a:r>
-          </a:p>
-          <a:p>
-            <a:pPr marL="635000"/>
-            <a:r>
-              <a:rPr lang="en-US" dirty="0"/>
-              <a:t>Sound examples</a:t>
-            </a:r>
-          </a:p>
-          <a:p>
-            <a:pPr marL="1143000" lvl="1"/>
-            <a:r>
-              <a:rPr lang="en-US" dirty="0"/>
-              <a:t>Dry, then monophonic </a:t>
-            </a:r>
-            <a:r>
-              <a:rPr lang="en-US" dirty="0" err="1"/>
-              <a:t>flanger</a:t>
-            </a:r>
-            <a:endParaRPr lang="en-US" dirty="0"/>
-          </a:p>
-          <a:p>
-            <a:pPr marL="1143000" lvl="1"/>
-            <a:r>
-              <a:rPr lang="en-US" dirty="0"/>
-              <a:t>Then stereo </a:t>
-            </a:r>
-            <a:r>
-              <a:rPr lang="en-US" dirty="0" err="1"/>
-              <a:t>flanger</a:t>
-            </a:r>
-            <a:endParaRPr lang="en-US" dirty="0"/>
-          </a:p>
-        </p:txBody>
-      </p:sp>
-      <p:pic>
-        <p:nvPicPr>
-          <p:cNvPr id="6" name="flanger-ss1.wav">
-            <a:hlinkClick r:id="" action="ppaction://media"/>
-          </p:cNvPr>
-          <p:cNvPicPr>
-            <a:picLocks noChangeAspect="1"/>
-          </p:cNvPicPr>
-          <p:nvPr>
-            <a:audioFile r:link="rId2"/>
-            <p:extLst>
-              <p:ext uri="{DAA4B4D4-6D71-4841-9C94-3DE7FCFB9230}">
-                <p14:media xmlns:p14="http://schemas.microsoft.com/office/powerpoint/2010/main" r:link="rId1"/>
-              </p:ext>
-            </p:extLst>
-          </p:nvPr>
-        </p:nvPicPr>
-        <p:blipFill>
-          <a:blip r:embed="rId7" cstate="print"/>
-          <a:stretch>
-            <a:fillRect/>
-          </a:stretch>
-        </p:blipFill>
-        <p:spPr>
-          <a:xfrm>
-            <a:off x="7654528" y="5740896"/>
-            <a:ext cx="792088" cy="792088"/>
-          </a:xfrm>
-          <a:prstGeom prst="rect">
-            <a:avLst/>
-          </a:prstGeom>
-        </p:spPr>
-      </p:pic>
-      <p:pic>
-        <p:nvPicPr>
-          <p:cNvPr id="7" name="flanger-ss5.wav">
-            <a:hlinkClick r:id="" action="ppaction://media"/>
-          </p:cNvPr>
-          <p:cNvPicPr>
-            <a:picLocks noChangeAspect="1"/>
-          </p:cNvPicPr>
-          <p:nvPr>
-            <a:audioFile r:link="rId4"/>
-            <p:extLst>
-              <p:ext uri="{DAA4B4D4-6D71-4841-9C94-3DE7FCFB9230}">
-                <p14:media xmlns:p14="http://schemas.microsoft.com/office/powerpoint/2010/main" r:link="rId3"/>
-              </p:ext>
-            </p:extLst>
-          </p:nvPr>
-        </p:nvPicPr>
-        <p:blipFill>
-          <a:blip r:embed="rId8" cstate="print"/>
-          <a:stretch>
-            <a:fillRect/>
-          </a:stretch>
-        </p:blipFill>
-        <p:spPr>
-          <a:xfrm>
-            <a:off x="7654528" y="6811045"/>
-            <a:ext cx="802059" cy="802059"/>
-          </a:xfrm>
-          <a:prstGeom prst="rect">
-            <a:avLst/>
-          </a:prstGeom>
-        </p:spPr>
-      </p:pic>
-    </p:spTree>
-    <p:extLst>
-      <p:ext uri="{BB962C8B-B14F-4D97-AF65-F5344CB8AC3E}">
-        <p14:creationId xmlns:p14="http://schemas.microsoft.com/office/powerpoint/2010/main" val="3967603519"/>
-      </p:ext>
-    </p:extLst>
-  </p:cSld>
-  <p:clrMapOvr>
-    <a:masterClrMapping/>
-  </p:clrMapOvr>
-  <p:transition/>
-  <p:timing>
-    <p:tnLst>
-      <p:par>
-        <p:cTn id="1" dur="indefinite" restart="never" nodeType="tmRoot">
-          <p:childTnLst>
-            <p:seq concurrent="1" nextAc="seek">
-              <p:cTn id="2" dur="indefinite" nodeType="mainSeq">
-                <p:childTnLst>
-                  <p:par>
-                    <p:cTn id="3" fill="hold">
-                      <p:stCondLst>
-                        <p:cond delay="indefinite"/>
-                      </p:stCondLst>
-                      <p:childTnLst>
-                        <p:par>
-                          <p:cTn id="4" fill="hold">
-                            <p:stCondLst>
-                              <p:cond delay="0"/>
-                            </p:stCondLst>
-                            <p:childTnLst>
-                              <p:par>
-                                <p:cTn id="5" presetID="1" presetClass="mediacall" presetSubtype="0" fill="hold" nodeType="clickEffect">
-                                  <p:stCondLst>
-                                    <p:cond delay="0"/>
-                                  </p:stCondLst>
-                                  <p:childTnLst>
-                                    <p:cmd type="call" cmd="playFrom(0.0)">
-                                      <p:cBhvr>
-                                        <p:cTn id="6" dur="8107" fill="hold"/>
-                                        <p:tgtEl>
-                                          <p:spTgt spid="6"/>
-                                        </p:tgtEl>
-                                      </p:cBhvr>
-                                    </p:cmd>
-                                  </p:childTnLst>
-                                </p:cTn>
-                              </p:par>
-                            </p:childTnLst>
-                          </p:cTn>
-                        </p:par>
-                      </p:childTnLst>
-                    </p:cTn>
-                  </p:par>
-                  <p:par>
-                    <p:cTn id="7" fill="hold">
-                      <p:stCondLst>
-                        <p:cond delay="indefinite"/>
-                      </p:stCondLst>
-                      <p:childTnLst>
-                        <p:par>
-                          <p:cTn id="8" fill="hold">
-                            <p:stCondLst>
-                              <p:cond delay="0"/>
-                            </p:stCondLst>
-                            <p:childTnLst>
-                              <p:par>
-                                <p:cTn id="9" presetID="1" presetClass="mediacall" presetSubtype="0" fill="hold" nodeType="clickEffect">
-                                  <p:stCondLst>
-                                    <p:cond delay="0"/>
-                                  </p:stCondLst>
-                                  <p:childTnLst>
-                                    <p:cmd type="call" cmd="playFrom(0.0)">
-                                      <p:cBhvr>
-                                        <p:cTn id="10" dur="3935" fill="hold"/>
-                                        <p:tgtEl>
-                                          <p:spTgt spid="7"/>
-                                        </p:tgtEl>
-                                      </p:cBhvr>
-                                    </p:cmd>
-                                  </p:childTnLst>
-                                </p:cTn>
-                              </p:par>
-                            </p:childTnLst>
-                          </p:cTn>
-                        </p:par>
-                      </p:childTnLst>
-                    </p:cTn>
-                  </p:par>
-                </p:childTnLst>
-              </p:cTn>
-              <p:prevCondLst>
-                <p:cond evt="onPrev" delay="0">
-                  <p:tgtEl>
-                    <p:sldTgt/>
-                  </p:tgtEl>
-                </p:cond>
-              </p:prevCondLst>
-              <p:nextCondLst>
-                <p:cond evt="onNext" delay="0">
-                  <p:tgtEl>
-                    <p:sldTgt/>
-                  </p:tgtEl>
-                </p:cond>
-              </p:nextCondLst>
-            </p:seq>
-            <p:audio>
-              <p:cMediaNode>
-                <p:cTn id="11" fill="hold" display="0">
-                  <p:stCondLst>
-                    <p:cond delay="indefinite"/>
-                  </p:stCondLst>
-                  <p:endCondLst>
-                    <p:cond evt="onNext" delay="0">
-                      <p:tgtEl>
-                        <p:sldTgt/>
-                      </p:tgtEl>
-                    </p:cond>
-                    <p:cond evt="onPrev" delay="0">
-                      <p:tgtEl>
-                        <p:sldTgt/>
-                      </p:tgtEl>
-                    </p:cond>
-                    <p:cond evt="onStopAudio" delay="0">
-                      <p:tgtEl>
-                        <p:sldTgt/>
-                      </p:tgtEl>
-                    </p:cond>
-                  </p:endCondLst>
-                </p:cTn>
-                <p:tgtEl>
-                  <p:spTgt spid="6"/>
-                </p:tgtEl>
-              </p:cMediaNode>
-            </p:audio>
-            <p:audio>
-              <p:cMediaNode>
-                <p:cTn id="12" fill="hold" display="0">
-                  <p:stCondLst>
-                    <p:cond delay="indefinite"/>
-                  </p:stCondLst>
-                  <p:endCondLst>
-                    <p:cond evt="onNext" delay="0">
-                      <p:tgtEl>
-                        <p:sldTgt/>
-                      </p:tgtEl>
-                    </p:cond>
-                    <p:cond evt="onPrev" delay="0">
-                      <p:tgtEl>
-                        <p:sldTgt/>
-                      </p:tgtEl>
-                    </p:cond>
-                    <p:cond evt="onStopAudio" delay="0">
-                      <p:tgtEl>
-                        <p:sldTgt/>
-                      </p:tgtEl>
-                    </p:cond>
-                  </p:endCondLst>
-                </p:cTn>
-                <p:tgtEl>
-                  <p:spTgt spid="7"/>
-                </p:tgtEl>
-              </p:cMediaNode>
-            </p:audio>
-          </p:childTnLst>
-        </p:cTn>
-      </p:par>
-    </p:tnLst>
-  </p:timing>
-</p:sld>
-</file>
-
 <file path=ppt/slides/slide4.xml><?xml version="1.0" encoding="utf-8"?>
 <p:sld xmlns:a="http://schemas.openxmlformats.org/drawingml/2006/main" xmlns:r="http://schemas.openxmlformats.org/officeDocument/2006/relationships" xmlns:p="http://schemas.openxmlformats.org/presentationml/2006/main">
   <p:cSld>
@@ -33086,8 +33069,8 @@
         </p:nvSpPr>
         <p:spPr bwMode="auto">
           <a:xfrm>
-            <a:off x="8878664" y="7928944"/>
-            <a:ext cx="4143763" cy="738664"/>
+            <a:off x="9956683" y="8113610"/>
+            <a:ext cx="1987724" cy="369332"/>
           </a:xfrm>
           <a:prstGeom prst="rect">
             <a:avLst/>
@@ -33116,19 +33099,6 @@
                 <a:sym typeface="Arial" charset="0"/>
               </a:rPr>
               <a:t>Leslie speaker</a:t>
-            </a:r>
-          </a:p>
-          <a:p>
-            <a:r>
-              <a:rPr lang="en-US" sz="2400" dirty="0">
-                <a:solidFill>
-                  <a:schemeClr val="tx1"/>
-                </a:solidFill>
-                <a:latin typeface="Arial" charset="0"/>
-                <a:cs typeface="Arial" charset="0"/>
-                <a:sym typeface="Arial" charset="0"/>
-              </a:rPr>
-              <a:t>Creative Commons, Wikipedia</a:t>
             </a:r>
           </a:p>
         </p:txBody>
